--- a/docs/figs/Landscape_Causal_Discovery_Bnlearn_for_python.pptx
+++ b/docs/figs/Landscape_Causal_Discovery_Bnlearn_for_python.pptx
@@ -7,11 +7,13 @@
   <p:sldIdLst>
     <p:sldId id="257" r:id="rId2"/>
     <p:sldId id="258" r:id="rId3"/>
-    <p:sldId id="263" r:id="rId4"/>
-    <p:sldId id="259" r:id="rId5"/>
-    <p:sldId id="261" r:id="rId6"/>
-    <p:sldId id="262" r:id="rId7"/>
-    <p:sldId id="256" r:id="rId8"/>
+    <p:sldId id="264" r:id="rId4"/>
+    <p:sldId id="263" r:id="rId5"/>
+    <p:sldId id="259" r:id="rId6"/>
+    <p:sldId id="265" r:id="rId7"/>
+    <p:sldId id="261" r:id="rId8"/>
+    <p:sldId id="262" r:id="rId9"/>
+    <p:sldId id="256" r:id="rId10"/>
   </p:sldIdLst>
   <p:sldSz cx="18288000" cy="10972800"/>
   <p:notesSz cx="6858000" cy="9144000"/>
@@ -257,7 +259,7 @@
           <a:p>
             <a:fld id="{38773C79-E55F-43DB-B2E4-E2C2AD643910}" type="datetimeFigureOut">
               <a:rPr lang="nl-NL" smtClean="0"/>
-              <a:t>12-10-2024</a:t>
+              <a:t>17-10-2025</a:t>
             </a:fld>
             <a:endParaRPr lang="nl-NL"/>
           </a:p>
@@ -427,7 +429,7 @@
           <a:p>
             <a:fld id="{38773C79-E55F-43DB-B2E4-E2C2AD643910}" type="datetimeFigureOut">
               <a:rPr lang="nl-NL" smtClean="0"/>
-              <a:t>12-10-2024</a:t>
+              <a:t>17-10-2025</a:t>
             </a:fld>
             <a:endParaRPr lang="nl-NL"/>
           </a:p>
@@ -607,7 +609,7 @@
           <a:p>
             <a:fld id="{38773C79-E55F-43DB-B2E4-E2C2AD643910}" type="datetimeFigureOut">
               <a:rPr lang="nl-NL" smtClean="0"/>
-              <a:t>12-10-2024</a:t>
+              <a:t>17-10-2025</a:t>
             </a:fld>
             <a:endParaRPr lang="nl-NL"/>
           </a:p>
@@ -777,7 +779,7 @@
           <a:p>
             <a:fld id="{38773C79-E55F-43DB-B2E4-E2C2AD643910}" type="datetimeFigureOut">
               <a:rPr lang="nl-NL" smtClean="0"/>
-              <a:t>12-10-2024</a:t>
+              <a:t>17-10-2025</a:t>
             </a:fld>
             <a:endParaRPr lang="nl-NL"/>
           </a:p>
@@ -1023,7 +1025,7 @@
           <a:p>
             <a:fld id="{38773C79-E55F-43DB-B2E4-E2C2AD643910}" type="datetimeFigureOut">
               <a:rPr lang="nl-NL" smtClean="0"/>
-              <a:t>12-10-2024</a:t>
+              <a:t>17-10-2025</a:t>
             </a:fld>
             <a:endParaRPr lang="nl-NL"/>
           </a:p>
@@ -1255,7 +1257,7 @@
           <a:p>
             <a:fld id="{38773C79-E55F-43DB-B2E4-E2C2AD643910}" type="datetimeFigureOut">
               <a:rPr lang="nl-NL" smtClean="0"/>
-              <a:t>12-10-2024</a:t>
+              <a:t>17-10-2025</a:t>
             </a:fld>
             <a:endParaRPr lang="nl-NL"/>
           </a:p>
@@ -1622,7 +1624,7 @@
           <a:p>
             <a:fld id="{38773C79-E55F-43DB-B2E4-E2C2AD643910}" type="datetimeFigureOut">
               <a:rPr lang="nl-NL" smtClean="0"/>
-              <a:t>12-10-2024</a:t>
+              <a:t>17-10-2025</a:t>
             </a:fld>
             <a:endParaRPr lang="nl-NL"/>
           </a:p>
@@ -1740,7 +1742,7 @@
           <a:p>
             <a:fld id="{38773C79-E55F-43DB-B2E4-E2C2AD643910}" type="datetimeFigureOut">
               <a:rPr lang="nl-NL" smtClean="0"/>
-              <a:t>12-10-2024</a:t>
+              <a:t>17-10-2025</a:t>
             </a:fld>
             <a:endParaRPr lang="nl-NL"/>
           </a:p>
@@ -1835,7 +1837,7 @@
           <a:p>
             <a:fld id="{38773C79-E55F-43DB-B2E4-E2C2AD643910}" type="datetimeFigureOut">
               <a:rPr lang="nl-NL" smtClean="0"/>
-              <a:t>12-10-2024</a:t>
+              <a:t>17-10-2025</a:t>
             </a:fld>
             <a:endParaRPr lang="nl-NL"/>
           </a:p>
@@ -2112,7 +2114,7 @@
           <a:p>
             <a:fld id="{38773C79-E55F-43DB-B2E4-E2C2AD643910}" type="datetimeFigureOut">
               <a:rPr lang="nl-NL" smtClean="0"/>
-              <a:t>12-10-2024</a:t>
+              <a:t>17-10-2025</a:t>
             </a:fld>
             <a:endParaRPr lang="nl-NL"/>
           </a:p>
@@ -2369,7 +2371,7 @@
           <a:p>
             <a:fld id="{38773C79-E55F-43DB-B2E4-E2C2AD643910}" type="datetimeFigureOut">
               <a:rPr lang="nl-NL" smtClean="0"/>
-              <a:t>12-10-2024</a:t>
+              <a:t>17-10-2025</a:t>
             </a:fld>
             <a:endParaRPr lang="nl-NL"/>
           </a:p>
@@ -2582,7 +2584,7 @@
           <a:p>
             <a:fld id="{38773C79-E55F-43DB-B2E4-E2C2AD643910}" type="datetimeFigureOut">
               <a:rPr lang="nl-NL" smtClean="0"/>
-              <a:t>12-10-2024</a:t>
+              <a:t>17-10-2025</a:t>
             </a:fld>
             <a:endParaRPr lang="nl-NL"/>
           </a:p>
@@ -12994,6 +12996,3029 @@
   <p:cSld>
     <p:spTree>
       <p:nvGrpSpPr>
+        <p:cNvPr id="1" name="">
+          <a:extLst>
+            <a:ext uri="{FF2B5EF4-FFF2-40B4-BE49-F238E27FC236}">
+              <a16:creationId xmlns:a16="http://schemas.microsoft.com/office/drawing/2014/main" id="{C9A2A76F-1F46-7CC1-08AE-A9ABD204817C}"/>
+            </a:ext>
+          </a:extLst>
+        </p:cNvPr>
+        <p:cNvGrpSpPr/>
+        <p:nvPr/>
+      </p:nvGrpSpPr>
+      <p:grpSpPr>
+        <a:xfrm>
+          <a:off x="0" y="0"/>
+          <a:ext cx="0" cy="0"/>
+          <a:chOff x="0" y="0"/>
+          <a:chExt cx="0" cy="0"/>
+        </a:xfrm>
+      </p:grpSpPr>
+      <p:sp>
+        <p:nvSpPr>
+          <p:cNvPr id="341" name="Freeform: Shape 340">
+            <a:extLst>
+              <a:ext uri="{FF2B5EF4-FFF2-40B4-BE49-F238E27FC236}">
+                <a16:creationId xmlns:a16="http://schemas.microsoft.com/office/drawing/2014/main" id="{67428ACD-CDE2-F3C3-DACE-98458F9C889E}"/>
+              </a:ext>
+            </a:extLst>
+          </p:cNvPr>
+          <p:cNvSpPr/>
+          <p:nvPr/>
+        </p:nvSpPr>
+        <p:spPr>
+          <a:xfrm>
+            <a:off x="1087655" y="319858"/>
+            <a:ext cx="13151653" cy="8894027"/>
+          </a:xfrm>
+          <a:custGeom>
+            <a:avLst/>
+            <a:gdLst>
+              <a:gd name="connsiteX0" fmla="*/ 11223197 w 13450177"/>
+              <a:gd name="connsiteY0" fmla="*/ 1942079 h 8894027"/>
+              <a:gd name="connsiteX1" fmla="*/ 8836132 w 13450177"/>
+              <a:gd name="connsiteY1" fmla="*/ 1903578 h 8894027"/>
+              <a:gd name="connsiteX2" fmla="*/ 8181614 w 13450177"/>
+              <a:gd name="connsiteY2" fmla="*/ 661919 h 8894027"/>
+              <a:gd name="connsiteX3" fmla="*/ 7276840 w 13450177"/>
+              <a:gd name="connsiteY3" fmla="*/ 94028 h 8894027"/>
+              <a:gd name="connsiteX4" fmla="*/ 1415054 w 13450177"/>
+              <a:gd name="connsiteY4" fmla="*/ 613793 h 8894027"/>
+              <a:gd name="connsiteX5" fmla="*/ 141 w 13450177"/>
+              <a:gd name="connsiteY5" fmla="*/ 5686306 h 8894027"/>
+              <a:gd name="connsiteX6" fmla="*/ 1453555 w 13450177"/>
+              <a:gd name="connsiteY6" fmla="*/ 8660513 h 8894027"/>
+              <a:gd name="connsiteX7" fmla="*/ 7777353 w 13450177"/>
+              <a:gd name="connsiteY7" fmla="*/ 8496883 h 8894027"/>
+              <a:gd name="connsiteX8" fmla="*/ 9230768 w 13450177"/>
+              <a:gd name="connsiteY8" fmla="*/ 6860588 h 8894027"/>
+              <a:gd name="connsiteX9" fmla="*/ 12426355 w 13450177"/>
+              <a:gd name="connsiteY9" fmla="*/ 6879839 h 8894027"/>
+              <a:gd name="connsiteX10" fmla="*/ 13446633 w 13450177"/>
+              <a:gd name="connsiteY10" fmla="*/ 3202988 h 8894027"/>
+              <a:gd name="connsiteX11" fmla="*/ 12705488 w 13450177"/>
+              <a:gd name="connsiteY11" fmla="*/ 2211586 h 8894027"/>
+              <a:gd name="connsiteX12" fmla="*/ 11223197 w 13450177"/>
+              <a:gd name="connsiteY12" fmla="*/ 1942079 h 8894027"/>
+            </a:gdLst>
+            <a:ahLst/>
+            <a:cxnLst>
+              <a:cxn ang="0">
+                <a:pos x="connsiteX0" y="connsiteY0"/>
+              </a:cxn>
+              <a:cxn ang="0">
+                <a:pos x="connsiteX1" y="connsiteY1"/>
+              </a:cxn>
+              <a:cxn ang="0">
+                <a:pos x="connsiteX2" y="connsiteY2"/>
+              </a:cxn>
+              <a:cxn ang="0">
+                <a:pos x="connsiteX3" y="connsiteY3"/>
+              </a:cxn>
+              <a:cxn ang="0">
+                <a:pos x="connsiteX4" y="connsiteY4"/>
+              </a:cxn>
+              <a:cxn ang="0">
+                <a:pos x="connsiteX5" y="connsiteY5"/>
+              </a:cxn>
+              <a:cxn ang="0">
+                <a:pos x="connsiteX6" y="connsiteY6"/>
+              </a:cxn>
+              <a:cxn ang="0">
+                <a:pos x="connsiteX7" y="connsiteY7"/>
+              </a:cxn>
+              <a:cxn ang="0">
+                <a:pos x="connsiteX8" y="connsiteY8"/>
+              </a:cxn>
+              <a:cxn ang="0">
+                <a:pos x="connsiteX9" y="connsiteY9"/>
+              </a:cxn>
+              <a:cxn ang="0">
+                <a:pos x="connsiteX10" y="connsiteY10"/>
+              </a:cxn>
+              <a:cxn ang="0">
+                <a:pos x="connsiteX11" y="connsiteY11"/>
+              </a:cxn>
+              <a:cxn ang="0">
+                <a:pos x="connsiteX12" y="connsiteY12"/>
+              </a:cxn>
+            </a:cxnLst>
+            <a:rect l="l" t="t" r="r" b="b"/>
+            <a:pathLst>
+              <a:path w="13450177" h="8894027">
+                <a:moveTo>
+                  <a:pt x="11223197" y="1942079"/>
+                </a:moveTo>
+                <a:cubicBezTo>
+                  <a:pt x="10578304" y="1890744"/>
+                  <a:pt x="9343062" y="2116938"/>
+                  <a:pt x="8836132" y="1903578"/>
+                </a:cubicBezTo>
+                <a:cubicBezTo>
+                  <a:pt x="8329201" y="1690218"/>
+                  <a:pt x="8441496" y="963511"/>
+                  <a:pt x="8181614" y="661919"/>
+                </a:cubicBezTo>
+                <a:cubicBezTo>
+                  <a:pt x="7921732" y="360327"/>
+                  <a:pt x="8404600" y="102049"/>
+                  <a:pt x="7276840" y="94028"/>
+                </a:cubicBezTo>
+                <a:cubicBezTo>
+                  <a:pt x="6149080" y="86007"/>
+                  <a:pt x="2627837" y="-318253"/>
+                  <a:pt x="1415054" y="613793"/>
+                </a:cubicBezTo>
+                <a:cubicBezTo>
+                  <a:pt x="202271" y="1545839"/>
+                  <a:pt x="-6276" y="4345186"/>
+                  <a:pt x="141" y="5686306"/>
+                </a:cubicBezTo>
+                <a:cubicBezTo>
+                  <a:pt x="6558" y="7027426"/>
+                  <a:pt x="157353" y="8192083"/>
+                  <a:pt x="1453555" y="8660513"/>
+                </a:cubicBezTo>
+                <a:cubicBezTo>
+                  <a:pt x="2749757" y="9128943"/>
+                  <a:pt x="6481151" y="8796871"/>
+                  <a:pt x="7777353" y="8496883"/>
+                </a:cubicBezTo>
+                <a:cubicBezTo>
+                  <a:pt x="9073555" y="8196896"/>
+                  <a:pt x="8455934" y="7130095"/>
+                  <a:pt x="9230768" y="6860588"/>
+                </a:cubicBezTo>
+                <a:cubicBezTo>
+                  <a:pt x="10005602" y="6591081"/>
+                  <a:pt x="11723711" y="7489439"/>
+                  <a:pt x="12426355" y="6879839"/>
+                </a:cubicBezTo>
+                <a:cubicBezTo>
+                  <a:pt x="13128999" y="6270239"/>
+                  <a:pt x="13400111" y="3981030"/>
+                  <a:pt x="13446633" y="3202988"/>
+                </a:cubicBezTo>
+                <a:cubicBezTo>
+                  <a:pt x="13493155" y="2424946"/>
+                  <a:pt x="13072852" y="2421737"/>
+                  <a:pt x="12705488" y="2211586"/>
+                </a:cubicBezTo>
+                <a:cubicBezTo>
+                  <a:pt x="12338124" y="2001435"/>
+                  <a:pt x="11868090" y="1993414"/>
+                  <a:pt x="11223197" y="1942079"/>
+                </a:cubicBezTo>
+                <a:close/>
+              </a:path>
+            </a:pathLst>
+          </a:custGeom>
+          <a:solidFill>
+            <a:schemeClr val="bg1">
+              <a:lumMod val="95000"/>
+            </a:schemeClr>
+          </a:solidFill>
+        </p:spPr>
+        <p:style>
+          <a:lnRef idx="2">
+            <a:schemeClr val="accent1">
+              <a:shade val="15000"/>
+            </a:schemeClr>
+          </a:lnRef>
+          <a:fillRef idx="1">
+            <a:schemeClr val="accent1"/>
+          </a:fillRef>
+          <a:effectRef idx="0">
+            <a:schemeClr val="accent1"/>
+          </a:effectRef>
+          <a:fontRef idx="minor">
+            <a:schemeClr val="lt1"/>
+          </a:fontRef>
+        </p:style>
+        <p:txBody>
+          <a:bodyPr rtlCol="0" anchor="ctr"/>
+          <a:lstStyle/>
+          <a:p>
+            <a:pPr algn="ctr"/>
+            <a:endParaRPr lang="en-NL"/>
+          </a:p>
+        </p:txBody>
+      </p:sp>
+      <p:sp>
+        <p:nvSpPr>
+          <p:cNvPr id="336" name="Freeform: Shape 335">
+            <a:extLst>
+              <a:ext uri="{FF2B5EF4-FFF2-40B4-BE49-F238E27FC236}">
+                <a16:creationId xmlns:a16="http://schemas.microsoft.com/office/drawing/2014/main" id="{36EA18B1-E9C8-01F1-CFD7-CA0E3CEFE252}"/>
+              </a:ext>
+            </a:extLst>
+          </p:cNvPr>
+          <p:cNvSpPr/>
+          <p:nvPr/>
+        </p:nvSpPr>
+        <p:spPr>
+          <a:xfrm>
+            <a:off x="8588465" y="3222403"/>
+            <a:ext cx="5269572" cy="3640496"/>
+          </a:xfrm>
+          <a:custGeom>
+            <a:avLst/>
+            <a:gdLst>
+              <a:gd name="connsiteX0" fmla="*/ 3241056 w 4781227"/>
+              <a:gd name="connsiteY0" fmla="*/ 13839 h 3607968"/>
+              <a:gd name="connsiteX1" fmla="*/ 3125553 w 4781227"/>
+              <a:gd name="connsiteY1" fmla="*/ 42715 h 3607968"/>
+              <a:gd name="connsiteX2" fmla="*/ 844366 w 4781227"/>
+              <a:gd name="connsiteY2" fmla="*/ 466227 h 3607968"/>
+              <a:gd name="connsiteX3" fmla="*/ 16593 w 4781227"/>
+              <a:gd name="connsiteY3" fmla="*/ 1900391 h 3607968"/>
+              <a:gd name="connsiteX4" fmla="*/ 1479633 w 4781227"/>
+              <a:gd name="connsiteY4" fmla="*/ 2362404 h 3607968"/>
+              <a:gd name="connsiteX5" fmla="*/ 1652888 w 4781227"/>
+              <a:gd name="connsiteY5" fmla="*/ 3392307 h 3607968"/>
+              <a:gd name="connsiteX6" fmla="*/ 3847448 w 4781227"/>
+              <a:gd name="connsiteY6" fmla="*/ 3459684 h 3607968"/>
+              <a:gd name="connsiteX7" fmla="*/ 4761848 w 4781227"/>
+              <a:gd name="connsiteY7" fmla="*/ 1736762 h 3607968"/>
+              <a:gd name="connsiteX8" fmla="*/ 4376837 w 4781227"/>
+              <a:gd name="connsiteY8" fmla="*/ 302597 h 3607968"/>
+              <a:gd name="connsiteX9" fmla="*/ 3241056 w 4781227"/>
+              <a:gd name="connsiteY9" fmla="*/ 13839 h 3607968"/>
+            </a:gdLst>
+            <a:ahLst/>
+            <a:cxnLst>
+              <a:cxn ang="0">
+                <a:pos x="connsiteX0" y="connsiteY0"/>
+              </a:cxn>
+              <a:cxn ang="0">
+                <a:pos x="connsiteX1" y="connsiteY1"/>
+              </a:cxn>
+              <a:cxn ang="0">
+                <a:pos x="connsiteX2" y="connsiteY2"/>
+              </a:cxn>
+              <a:cxn ang="0">
+                <a:pos x="connsiteX3" y="connsiteY3"/>
+              </a:cxn>
+              <a:cxn ang="0">
+                <a:pos x="connsiteX4" y="connsiteY4"/>
+              </a:cxn>
+              <a:cxn ang="0">
+                <a:pos x="connsiteX5" y="connsiteY5"/>
+              </a:cxn>
+              <a:cxn ang="0">
+                <a:pos x="connsiteX6" y="connsiteY6"/>
+              </a:cxn>
+              <a:cxn ang="0">
+                <a:pos x="connsiteX7" y="connsiteY7"/>
+              </a:cxn>
+              <a:cxn ang="0">
+                <a:pos x="connsiteX8" y="connsiteY8"/>
+              </a:cxn>
+              <a:cxn ang="0">
+                <a:pos x="connsiteX9" y="connsiteY9"/>
+              </a:cxn>
+            </a:cxnLst>
+            <a:rect l="l" t="t" r="r" b="b"/>
+            <a:pathLst>
+              <a:path w="4781227" h="3607968">
+                <a:moveTo>
+                  <a:pt x="3241056" y="13839"/>
+                </a:moveTo>
+                <a:cubicBezTo>
+                  <a:pt x="3032509" y="-29475"/>
+                  <a:pt x="3125553" y="42715"/>
+                  <a:pt x="3125553" y="42715"/>
+                </a:cubicBezTo>
+                <a:cubicBezTo>
+                  <a:pt x="2726105" y="118113"/>
+                  <a:pt x="1362526" y="156614"/>
+                  <a:pt x="844366" y="466227"/>
+                </a:cubicBezTo>
+                <a:cubicBezTo>
+                  <a:pt x="326206" y="775840"/>
+                  <a:pt x="-89285" y="1584362"/>
+                  <a:pt x="16593" y="1900391"/>
+                </a:cubicBezTo>
+                <a:cubicBezTo>
+                  <a:pt x="122471" y="2216420"/>
+                  <a:pt x="1206917" y="2113751"/>
+                  <a:pt x="1479633" y="2362404"/>
+                </a:cubicBezTo>
+                <a:cubicBezTo>
+                  <a:pt x="1752349" y="2611057"/>
+                  <a:pt x="1258252" y="3209427"/>
+                  <a:pt x="1652888" y="3392307"/>
+                </a:cubicBezTo>
+                <a:cubicBezTo>
+                  <a:pt x="2047524" y="3575187"/>
+                  <a:pt x="3329288" y="3735608"/>
+                  <a:pt x="3847448" y="3459684"/>
+                </a:cubicBezTo>
+                <a:cubicBezTo>
+                  <a:pt x="4365608" y="3183760"/>
+                  <a:pt x="4673617" y="2262943"/>
+                  <a:pt x="4761848" y="1736762"/>
+                </a:cubicBezTo>
+                <a:cubicBezTo>
+                  <a:pt x="4850079" y="1210581"/>
+                  <a:pt x="4622281" y="591355"/>
+                  <a:pt x="4376837" y="302597"/>
+                </a:cubicBezTo>
+                <a:cubicBezTo>
+                  <a:pt x="4131393" y="13839"/>
+                  <a:pt x="3449603" y="57153"/>
+                  <a:pt x="3241056" y="13839"/>
+                </a:cubicBezTo>
+                <a:close/>
+              </a:path>
+            </a:pathLst>
+          </a:custGeom>
+          <a:solidFill>
+            <a:schemeClr val="bg1">
+              <a:alpha val="46000"/>
+            </a:schemeClr>
+          </a:solidFill>
+          <a:ln>
+            <a:solidFill>
+              <a:schemeClr val="bg1"/>
+            </a:solidFill>
+          </a:ln>
+        </p:spPr>
+        <p:style>
+          <a:lnRef idx="2">
+            <a:schemeClr val="accent1">
+              <a:shade val="15000"/>
+            </a:schemeClr>
+          </a:lnRef>
+          <a:fillRef idx="1">
+            <a:schemeClr val="accent1"/>
+          </a:fillRef>
+          <a:effectRef idx="0">
+            <a:schemeClr val="accent1"/>
+          </a:effectRef>
+          <a:fontRef idx="minor">
+            <a:schemeClr val="lt1"/>
+          </a:fontRef>
+        </p:style>
+        <p:txBody>
+          <a:bodyPr rtlCol="0" anchor="ctr"/>
+          <a:lstStyle/>
+          <a:p>
+            <a:pPr algn="ctr"/>
+            <a:endParaRPr lang="en-NL"/>
+          </a:p>
+        </p:txBody>
+      </p:sp>
+      <p:sp>
+        <p:nvSpPr>
+          <p:cNvPr id="315" name="Freeform: Shape 314">
+            <a:extLst>
+              <a:ext uri="{FF2B5EF4-FFF2-40B4-BE49-F238E27FC236}">
+                <a16:creationId xmlns:a16="http://schemas.microsoft.com/office/drawing/2014/main" id="{25630FE3-869D-27BA-D636-8328DFDFD7D3}"/>
+              </a:ext>
+            </a:extLst>
+          </p:cNvPr>
+          <p:cNvSpPr/>
+          <p:nvPr/>
+        </p:nvSpPr>
+        <p:spPr>
+          <a:xfrm>
+            <a:off x="1294624" y="3810792"/>
+            <a:ext cx="7076726" cy="4858718"/>
+          </a:xfrm>
+          <a:custGeom>
+            <a:avLst/>
+            <a:gdLst>
+              <a:gd name="connsiteX0" fmla="*/ 6104216 w 6849576"/>
+              <a:gd name="connsiteY0" fmla="*/ 64090 h 4556100"/>
+              <a:gd name="connsiteX1" fmla="*/ 4958810 w 6849576"/>
+              <a:gd name="connsiteY1" fmla="*/ 102591 h 4556100"/>
+              <a:gd name="connsiteX2" fmla="*/ 2966380 w 6849576"/>
+              <a:gd name="connsiteY2" fmla="*/ 814861 h 4556100"/>
+              <a:gd name="connsiteX3" fmla="*/ 386810 w 6849576"/>
+              <a:gd name="connsiteY3" fmla="*/ 1180621 h 4556100"/>
+              <a:gd name="connsiteX4" fmla="*/ 194304 w 6849576"/>
+              <a:gd name="connsiteY4" fmla="*/ 3481059 h 4556100"/>
+              <a:gd name="connsiteX5" fmla="*/ 2167483 w 6849576"/>
+              <a:gd name="connsiteY5" fmla="*/ 3471433 h 4556100"/>
+              <a:gd name="connsiteX6" fmla="*/ 2908629 w 6849576"/>
+              <a:gd name="connsiteY6" fmla="*/ 4443585 h 4556100"/>
+              <a:gd name="connsiteX7" fmla="*/ 6036839 w 6849576"/>
+              <a:gd name="connsiteY7" fmla="*/ 4366583 h 4556100"/>
+              <a:gd name="connsiteX8" fmla="*/ 6537353 w 6849576"/>
+              <a:gd name="connsiteY8" fmla="*/ 2932419 h 4556100"/>
+              <a:gd name="connsiteX9" fmla="*/ 6835736 w 6849576"/>
+              <a:gd name="connsiteY9" fmla="*/ 670482 h 4556100"/>
+              <a:gd name="connsiteX10" fmla="*/ 6104216 w 6849576"/>
+              <a:gd name="connsiteY10" fmla="*/ 64090 h 4556100"/>
+            </a:gdLst>
+            <a:ahLst/>
+            <a:cxnLst>
+              <a:cxn ang="0">
+                <a:pos x="connsiteX0" y="connsiteY0"/>
+              </a:cxn>
+              <a:cxn ang="0">
+                <a:pos x="connsiteX1" y="connsiteY1"/>
+              </a:cxn>
+              <a:cxn ang="0">
+                <a:pos x="connsiteX2" y="connsiteY2"/>
+              </a:cxn>
+              <a:cxn ang="0">
+                <a:pos x="connsiteX3" y="connsiteY3"/>
+              </a:cxn>
+              <a:cxn ang="0">
+                <a:pos x="connsiteX4" y="connsiteY4"/>
+              </a:cxn>
+              <a:cxn ang="0">
+                <a:pos x="connsiteX5" y="connsiteY5"/>
+              </a:cxn>
+              <a:cxn ang="0">
+                <a:pos x="connsiteX6" y="connsiteY6"/>
+              </a:cxn>
+              <a:cxn ang="0">
+                <a:pos x="connsiteX7" y="connsiteY7"/>
+              </a:cxn>
+              <a:cxn ang="0">
+                <a:pos x="connsiteX8" y="connsiteY8"/>
+              </a:cxn>
+              <a:cxn ang="0">
+                <a:pos x="connsiteX9" y="connsiteY9"/>
+              </a:cxn>
+              <a:cxn ang="0">
+                <a:pos x="connsiteX10" y="connsiteY10"/>
+              </a:cxn>
+            </a:cxnLst>
+            <a:rect l="l" t="t" r="r" b="b"/>
+            <a:pathLst>
+              <a:path w="6849576" h="4556100">
+                <a:moveTo>
+                  <a:pt x="6104216" y="64090"/>
+                </a:moveTo>
+                <a:cubicBezTo>
+                  <a:pt x="5791395" y="-30558"/>
+                  <a:pt x="5481783" y="-22537"/>
+                  <a:pt x="4958810" y="102591"/>
+                </a:cubicBezTo>
+                <a:cubicBezTo>
+                  <a:pt x="4435837" y="227719"/>
+                  <a:pt x="3728380" y="635189"/>
+                  <a:pt x="2966380" y="814861"/>
+                </a:cubicBezTo>
+                <a:cubicBezTo>
+                  <a:pt x="2204380" y="994533"/>
+                  <a:pt x="848823" y="736255"/>
+                  <a:pt x="386810" y="1180621"/>
+                </a:cubicBezTo>
+                <a:cubicBezTo>
+                  <a:pt x="-75203" y="1624987"/>
+                  <a:pt x="-102475" y="3099257"/>
+                  <a:pt x="194304" y="3481059"/>
+                </a:cubicBezTo>
+                <a:cubicBezTo>
+                  <a:pt x="491083" y="3862861"/>
+                  <a:pt x="1715096" y="3311012"/>
+                  <a:pt x="2167483" y="3471433"/>
+                </a:cubicBezTo>
+                <a:cubicBezTo>
+                  <a:pt x="2619870" y="3631854"/>
+                  <a:pt x="2263736" y="4294393"/>
+                  <a:pt x="2908629" y="4443585"/>
+                </a:cubicBezTo>
+                <a:cubicBezTo>
+                  <a:pt x="3553522" y="4592777"/>
+                  <a:pt x="5432052" y="4618444"/>
+                  <a:pt x="6036839" y="4366583"/>
+                </a:cubicBezTo>
+                <a:cubicBezTo>
+                  <a:pt x="6641626" y="4114722"/>
+                  <a:pt x="6404204" y="3548436"/>
+                  <a:pt x="6537353" y="2932419"/>
+                </a:cubicBezTo>
+                <a:cubicBezTo>
+                  <a:pt x="6670502" y="2316402"/>
+                  <a:pt x="6909530" y="1150141"/>
+                  <a:pt x="6835736" y="670482"/>
+                </a:cubicBezTo>
+                <a:cubicBezTo>
+                  <a:pt x="6761942" y="190823"/>
+                  <a:pt x="6417037" y="158738"/>
+                  <a:pt x="6104216" y="64090"/>
+                </a:cubicBezTo>
+                <a:close/>
+              </a:path>
+            </a:pathLst>
+          </a:custGeom>
+          <a:solidFill>
+            <a:schemeClr val="accent1">
+              <a:lumMod val="40000"/>
+              <a:lumOff val="60000"/>
+            </a:schemeClr>
+          </a:solidFill>
+          <a:ln>
+            <a:solidFill>
+              <a:schemeClr val="bg1"/>
+            </a:solidFill>
+          </a:ln>
+        </p:spPr>
+        <p:style>
+          <a:lnRef idx="2">
+            <a:schemeClr val="accent1">
+              <a:shade val="15000"/>
+            </a:schemeClr>
+          </a:lnRef>
+          <a:fillRef idx="1">
+            <a:schemeClr val="accent1"/>
+          </a:fillRef>
+          <a:effectRef idx="0">
+            <a:schemeClr val="accent1"/>
+          </a:effectRef>
+          <a:fontRef idx="minor">
+            <a:schemeClr val="lt1"/>
+          </a:fontRef>
+        </p:style>
+        <p:txBody>
+          <a:bodyPr rtlCol="0" anchor="ctr"/>
+          <a:lstStyle/>
+          <a:p>
+            <a:pPr algn="ctr"/>
+            <a:endParaRPr lang="en-NL"/>
+          </a:p>
+        </p:txBody>
+      </p:sp>
+      <p:sp>
+        <p:nvSpPr>
+          <p:cNvPr id="3" name="Freeform: Shape 2">
+            <a:extLst>
+              <a:ext uri="{FF2B5EF4-FFF2-40B4-BE49-F238E27FC236}">
+                <a16:creationId xmlns:a16="http://schemas.microsoft.com/office/drawing/2014/main" id="{1C5A68E0-FA88-679A-ADC9-F25579CC1E18}"/>
+              </a:ext>
+            </a:extLst>
+          </p:cNvPr>
+          <p:cNvSpPr/>
+          <p:nvPr/>
+        </p:nvSpPr>
+        <p:spPr>
+          <a:xfrm>
+            <a:off x="2217025" y="505982"/>
+            <a:ext cx="6154325" cy="3640496"/>
+          </a:xfrm>
+          <a:custGeom>
+            <a:avLst/>
+            <a:gdLst>
+              <a:gd name="connsiteX0" fmla="*/ 4353939 w 4389346"/>
+              <a:gd name="connsiteY0" fmla="*/ 974674 h 3310119"/>
+              <a:gd name="connsiteX1" fmla="*/ 3497596 w 4389346"/>
+              <a:gd name="connsiteY1" fmla="*/ 2832502 h 3310119"/>
+              <a:gd name="connsiteX2" fmla="*/ 565711 w 4389346"/>
+              <a:gd name="connsiteY2" fmla="*/ 3238902 h 3310119"/>
+              <a:gd name="connsiteX3" fmla="*/ 14168 w 4389346"/>
+              <a:gd name="connsiteY3" fmla="*/ 1671359 h 3310119"/>
+              <a:gd name="connsiteX4" fmla="*/ 812454 w 4389346"/>
+              <a:gd name="connsiteY4" fmla="*/ 350559 h 3310119"/>
+              <a:gd name="connsiteX5" fmla="*/ 3874968 w 4389346"/>
+              <a:gd name="connsiteY5" fmla="*/ 31245 h 3310119"/>
+              <a:gd name="connsiteX6" fmla="*/ 4353939 w 4389346"/>
+              <a:gd name="connsiteY6" fmla="*/ 974674 h 3310119"/>
+            </a:gdLst>
+            <a:ahLst/>
+            <a:cxnLst>
+              <a:cxn ang="0">
+                <a:pos x="connsiteX0" y="connsiteY0"/>
+              </a:cxn>
+              <a:cxn ang="0">
+                <a:pos x="connsiteX1" y="connsiteY1"/>
+              </a:cxn>
+              <a:cxn ang="0">
+                <a:pos x="connsiteX2" y="connsiteY2"/>
+              </a:cxn>
+              <a:cxn ang="0">
+                <a:pos x="connsiteX3" y="connsiteY3"/>
+              </a:cxn>
+              <a:cxn ang="0">
+                <a:pos x="connsiteX4" y="connsiteY4"/>
+              </a:cxn>
+              <a:cxn ang="0">
+                <a:pos x="connsiteX5" y="connsiteY5"/>
+              </a:cxn>
+              <a:cxn ang="0">
+                <a:pos x="connsiteX6" y="connsiteY6"/>
+              </a:cxn>
+            </a:cxnLst>
+            <a:rect l="l" t="t" r="r" b="b"/>
+            <a:pathLst>
+              <a:path w="4389346" h="3310119">
+                <a:moveTo>
+                  <a:pt x="4353939" y="974674"/>
+                </a:moveTo>
+                <a:cubicBezTo>
+                  <a:pt x="4291044" y="1441550"/>
+                  <a:pt x="4128967" y="2455131"/>
+                  <a:pt x="3497596" y="2832502"/>
+                </a:cubicBezTo>
+                <a:cubicBezTo>
+                  <a:pt x="2866225" y="3209873"/>
+                  <a:pt x="1146282" y="3432426"/>
+                  <a:pt x="565711" y="3238902"/>
+                </a:cubicBezTo>
+                <a:cubicBezTo>
+                  <a:pt x="-14860" y="3045378"/>
+                  <a:pt x="-26956" y="2152749"/>
+                  <a:pt x="14168" y="1671359"/>
+                </a:cubicBezTo>
+                <a:cubicBezTo>
+                  <a:pt x="55292" y="1189969"/>
+                  <a:pt x="168987" y="623911"/>
+                  <a:pt x="812454" y="350559"/>
+                </a:cubicBezTo>
+                <a:cubicBezTo>
+                  <a:pt x="1455921" y="77207"/>
+                  <a:pt x="3287139" y="-67936"/>
+                  <a:pt x="3874968" y="31245"/>
+                </a:cubicBezTo>
+                <a:cubicBezTo>
+                  <a:pt x="4462797" y="130426"/>
+                  <a:pt x="4416834" y="507798"/>
+                  <a:pt x="4353939" y="974674"/>
+                </a:cubicBezTo>
+                <a:close/>
+              </a:path>
+            </a:pathLst>
+          </a:custGeom>
+          <a:solidFill>
+            <a:schemeClr val="accent5">
+              <a:lumMod val="20000"/>
+              <a:lumOff val="80000"/>
+            </a:schemeClr>
+          </a:solidFill>
+          <a:ln>
+            <a:solidFill>
+              <a:schemeClr val="bg1"/>
+            </a:solidFill>
+          </a:ln>
+        </p:spPr>
+        <p:style>
+          <a:lnRef idx="2">
+            <a:schemeClr val="accent1">
+              <a:shade val="15000"/>
+            </a:schemeClr>
+          </a:lnRef>
+          <a:fillRef idx="1">
+            <a:schemeClr val="accent1"/>
+          </a:fillRef>
+          <a:effectRef idx="0">
+            <a:schemeClr val="accent1"/>
+          </a:effectRef>
+          <a:fontRef idx="minor">
+            <a:schemeClr val="lt1"/>
+          </a:fontRef>
+        </p:style>
+        <p:txBody>
+          <a:bodyPr rtlCol="0" anchor="ctr"/>
+          <a:lstStyle/>
+          <a:p>
+            <a:pPr algn="ctr"/>
+            <a:endParaRPr lang="nl-NL"/>
+          </a:p>
+        </p:txBody>
+      </p:sp>
+      <p:sp>
+        <p:nvSpPr>
+          <p:cNvPr id="4" name="Freeform: Shape 3">
+            <a:extLst>
+              <a:ext uri="{FF2B5EF4-FFF2-40B4-BE49-F238E27FC236}">
+                <a16:creationId xmlns:a16="http://schemas.microsoft.com/office/drawing/2014/main" id="{36F7864A-8A09-F3A6-3925-A61A22A98572}"/>
+              </a:ext>
+            </a:extLst>
+          </p:cNvPr>
+          <p:cNvSpPr/>
+          <p:nvPr/>
+        </p:nvSpPr>
+        <p:spPr>
+          <a:xfrm>
+            <a:off x="3125738" y="1662683"/>
+            <a:ext cx="4939690" cy="1916995"/>
+          </a:xfrm>
+          <a:custGeom>
+            <a:avLst/>
+            <a:gdLst>
+              <a:gd name="connsiteX0" fmla="*/ 1379908 w 4939690"/>
+              <a:gd name="connsiteY0" fmla="*/ 57211 h 1916995"/>
+              <a:gd name="connsiteX1" fmla="*/ 1292822 w 4939690"/>
+              <a:gd name="connsiteY1" fmla="*/ 202354 h 1916995"/>
+              <a:gd name="connsiteX2" fmla="*/ 1220251 w 4939690"/>
+              <a:gd name="connsiteY2" fmla="*/ 507154 h 1916995"/>
+              <a:gd name="connsiteX3" fmla="*/ 247793 w 4939690"/>
+              <a:gd name="connsiteY3" fmla="*/ 1058697 h 1916995"/>
+              <a:gd name="connsiteX4" fmla="*/ 15565 w 4939690"/>
+              <a:gd name="connsiteY4" fmla="*/ 1581211 h 1916995"/>
+              <a:gd name="connsiteX5" fmla="*/ 567108 w 4939690"/>
+              <a:gd name="connsiteY5" fmla="*/ 1900525 h 1916995"/>
+              <a:gd name="connsiteX6" fmla="*/ 2686193 w 4939690"/>
+              <a:gd name="connsiteY6" fmla="*/ 1798925 h 1916995"/>
+              <a:gd name="connsiteX7" fmla="*/ 4442422 w 4939690"/>
+              <a:gd name="connsiteY7" fmla="*/ 1189325 h 1916995"/>
+              <a:gd name="connsiteX8" fmla="*/ 4703679 w 4939690"/>
+              <a:gd name="connsiteY8" fmla="*/ 100754 h 1916995"/>
+              <a:gd name="connsiteX9" fmla="*/ 1379908 w 4939690"/>
+              <a:gd name="connsiteY9" fmla="*/ 57211 h 1916995"/>
+            </a:gdLst>
+            <a:ahLst/>
+            <a:cxnLst>
+              <a:cxn ang="0">
+                <a:pos x="connsiteX0" y="connsiteY0"/>
+              </a:cxn>
+              <a:cxn ang="0">
+                <a:pos x="connsiteX1" y="connsiteY1"/>
+              </a:cxn>
+              <a:cxn ang="0">
+                <a:pos x="connsiteX2" y="connsiteY2"/>
+              </a:cxn>
+              <a:cxn ang="0">
+                <a:pos x="connsiteX3" y="connsiteY3"/>
+              </a:cxn>
+              <a:cxn ang="0">
+                <a:pos x="connsiteX4" y="connsiteY4"/>
+              </a:cxn>
+              <a:cxn ang="0">
+                <a:pos x="connsiteX5" y="connsiteY5"/>
+              </a:cxn>
+              <a:cxn ang="0">
+                <a:pos x="connsiteX6" y="connsiteY6"/>
+              </a:cxn>
+              <a:cxn ang="0">
+                <a:pos x="connsiteX7" y="connsiteY7"/>
+              </a:cxn>
+              <a:cxn ang="0">
+                <a:pos x="connsiteX8" y="connsiteY8"/>
+              </a:cxn>
+              <a:cxn ang="0">
+                <a:pos x="connsiteX9" y="connsiteY9"/>
+              </a:cxn>
+            </a:cxnLst>
+            <a:rect l="l" t="t" r="r" b="b"/>
+            <a:pathLst>
+              <a:path w="4939690" h="1916995">
+                <a:moveTo>
+                  <a:pt x="1379908" y="57211"/>
+                </a:moveTo>
+                <a:cubicBezTo>
+                  <a:pt x="811432" y="74144"/>
+                  <a:pt x="1319431" y="127364"/>
+                  <a:pt x="1292822" y="202354"/>
+                </a:cubicBezTo>
+                <a:cubicBezTo>
+                  <a:pt x="1266212" y="277345"/>
+                  <a:pt x="1394423" y="364430"/>
+                  <a:pt x="1220251" y="507154"/>
+                </a:cubicBezTo>
+                <a:cubicBezTo>
+                  <a:pt x="1046079" y="649878"/>
+                  <a:pt x="448574" y="879688"/>
+                  <a:pt x="247793" y="1058697"/>
+                </a:cubicBezTo>
+                <a:cubicBezTo>
+                  <a:pt x="47012" y="1237706"/>
+                  <a:pt x="-37654" y="1440906"/>
+                  <a:pt x="15565" y="1581211"/>
+                </a:cubicBezTo>
+                <a:cubicBezTo>
+                  <a:pt x="68784" y="1721516"/>
+                  <a:pt x="122003" y="1864239"/>
+                  <a:pt x="567108" y="1900525"/>
+                </a:cubicBezTo>
+                <a:cubicBezTo>
+                  <a:pt x="1012213" y="1936811"/>
+                  <a:pt x="2040307" y="1917458"/>
+                  <a:pt x="2686193" y="1798925"/>
+                </a:cubicBezTo>
+                <a:cubicBezTo>
+                  <a:pt x="3332079" y="1680392"/>
+                  <a:pt x="4106174" y="1472353"/>
+                  <a:pt x="4442422" y="1189325"/>
+                </a:cubicBezTo>
+                <a:cubicBezTo>
+                  <a:pt x="4778670" y="906297"/>
+                  <a:pt x="5218936" y="287021"/>
+                  <a:pt x="4703679" y="100754"/>
+                </a:cubicBezTo>
+                <a:cubicBezTo>
+                  <a:pt x="4188422" y="-85513"/>
+                  <a:pt x="1948384" y="40278"/>
+                  <a:pt x="1379908" y="57211"/>
+                </a:cubicBezTo>
+                <a:close/>
+              </a:path>
+            </a:pathLst>
+          </a:custGeom>
+          <a:solidFill>
+            <a:schemeClr val="bg1">
+              <a:alpha val="46000"/>
+            </a:schemeClr>
+          </a:solidFill>
+          <a:ln>
+            <a:solidFill>
+              <a:schemeClr val="bg1"/>
+            </a:solidFill>
+          </a:ln>
+        </p:spPr>
+        <p:style>
+          <a:lnRef idx="2">
+            <a:schemeClr val="accent1">
+              <a:shade val="15000"/>
+            </a:schemeClr>
+          </a:lnRef>
+          <a:fillRef idx="1">
+            <a:schemeClr val="accent1"/>
+          </a:fillRef>
+          <a:effectRef idx="0">
+            <a:schemeClr val="accent1"/>
+          </a:effectRef>
+          <a:fontRef idx="minor">
+            <a:schemeClr val="lt1"/>
+          </a:fontRef>
+        </p:style>
+        <p:txBody>
+          <a:bodyPr rtlCol="0" anchor="ctr"/>
+          <a:lstStyle/>
+          <a:p>
+            <a:pPr algn="ctr"/>
+            <a:endParaRPr lang="nl-NL"/>
+          </a:p>
+        </p:txBody>
+      </p:sp>
+      <p:sp>
+        <p:nvSpPr>
+          <p:cNvPr id="7" name="TextBox 6">
+            <a:extLst>
+              <a:ext uri="{FF2B5EF4-FFF2-40B4-BE49-F238E27FC236}">
+                <a16:creationId xmlns:a16="http://schemas.microsoft.com/office/drawing/2014/main" id="{B40E16E4-EC23-F119-7A14-BBE502425C1D}"/>
+              </a:ext>
+            </a:extLst>
+          </p:cNvPr>
+          <p:cNvSpPr txBox="1"/>
+          <p:nvPr/>
+        </p:nvSpPr>
+        <p:spPr>
+          <a:xfrm>
+            <a:off x="8588465" y="475905"/>
+            <a:ext cx="5090852" cy="1446550"/>
+          </a:xfrm>
+          <a:prstGeom prst="rect">
+            <a:avLst/>
+          </a:prstGeom>
+          <a:noFill/>
+        </p:spPr>
+        <p:txBody>
+          <a:bodyPr wrap="square" rtlCol="0">
+            <a:spAutoFit/>
+          </a:bodyPr>
+          <a:lstStyle/>
+          <a:p>
+            <a:pPr algn="ctr"/>
+            <a:r>
+              <a:rPr lang="en-US" sz="4800" b="1" dirty="0">
+                <a:solidFill>
+                  <a:srgbClr val="C00000"/>
+                </a:solidFill>
+                <a:effectLst>
+                  <a:outerShdw blurRad="38100" dist="38100" dir="2700000" algn="tl">
+                    <a:srgbClr val="000000">
+                      <a:alpha val="43137"/>
+                    </a:srgbClr>
+                  </a:outerShdw>
+                </a:effectLst>
+                <a:latin typeface="Calibri" panose="020F0502020204030204" pitchFamily="34" charset="0"/>
+                <a:ea typeface="Calibri" panose="020F0502020204030204" pitchFamily="34" charset="0"/>
+                <a:cs typeface="Calibri" panose="020F0502020204030204" pitchFamily="34" charset="0"/>
+              </a:rPr>
+              <a:t>Bayesian</a:t>
+            </a:r>
+          </a:p>
+          <a:p>
+            <a:pPr algn="ctr"/>
+            <a:r>
+              <a:rPr lang="en-US" sz="4000" b="1" dirty="0">
+                <a:solidFill>
+                  <a:srgbClr val="C00000"/>
+                </a:solidFill>
+                <a:effectLst>
+                  <a:outerShdw blurRad="38100" dist="38100" dir="2700000" algn="tl">
+                    <a:srgbClr val="000000">
+                      <a:alpha val="43137"/>
+                    </a:srgbClr>
+                  </a:outerShdw>
+                </a:effectLst>
+                <a:latin typeface="Calibri" panose="020F0502020204030204" pitchFamily="34" charset="0"/>
+                <a:ea typeface="Calibri" panose="020F0502020204030204" pitchFamily="34" charset="0"/>
+                <a:cs typeface="Calibri" panose="020F0502020204030204" pitchFamily="34" charset="0"/>
+              </a:rPr>
+              <a:t>Inferences</a:t>
+            </a:r>
+          </a:p>
+        </p:txBody>
+      </p:sp>
+      <p:sp>
+        <p:nvSpPr>
+          <p:cNvPr id="10" name="TextBox 9">
+            <a:extLst>
+              <a:ext uri="{FF2B5EF4-FFF2-40B4-BE49-F238E27FC236}">
+                <a16:creationId xmlns:a16="http://schemas.microsoft.com/office/drawing/2014/main" id="{34BB9897-A5CD-B392-8BF1-61DBDFA2DF5F}"/>
+              </a:ext>
+            </a:extLst>
+          </p:cNvPr>
+          <p:cNvSpPr txBox="1"/>
+          <p:nvPr/>
+        </p:nvSpPr>
+        <p:spPr>
+          <a:xfrm>
+            <a:off x="2977361" y="906793"/>
+            <a:ext cx="5155616" cy="584775"/>
+          </a:xfrm>
+          <a:prstGeom prst="rect">
+            <a:avLst/>
+          </a:prstGeom>
+          <a:noFill/>
+        </p:spPr>
+        <p:txBody>
+          <a:bodyPr wrap="square" rtlCol="0">
+            <a:spAutoFit/>
+          </a:bodyPr>
+          <a:lstStyle/>
+          <a:p>
+            <a:pPr algn="r"/>
+            <a:r>
+              <a:rPr lang="en-US" sz="3200" b="1" u="sng" dirty="0">
+                <a:effectLst>
+                  <a:outerShdw blurRad="38100" dist="38100" dir="2700000" algn="tl">
+                    <a:srgbClr val="000000">
+                      <a:alpha val="43137"/>
+                    </a:srgbClr>
+                  </a:outerShdw>
+                </a:effectLst>
+                <a:latin typeface="Calibri" panose="020F0502020204030204" pitchFamily="34" charset="0"/>
+                <a:ea typeface="Calibri" panose="020F0502020204030204" pitchFamily="34" charset="0"/>
+                <a:cs typeface="Calibri" panose="020F0502020204030204" pitchFamily="34" charset="0"/>
+              </a:rPr>
+              <a:t>Expert Domain Knowledge</a:t>
+            </a:r>
+            <a:endParaRPr lang="nl-NL" sz="3200" b="1" u="sng" dirty="0">
+              <a:effectLst>
+                <a:outerShdw blurRad="38100" dist="38100" dir="2700000" algn="tl">
+                  <a:srgbClr val="000000">
+                    <a:alpha val="43137"/>
+                  </a:srgbClr>
+                </a:outerShdw>
+              </a:effectLst>
+              <a:latin typeface="Calibri" panose="020F0502020204030204" pitchFamily="34" charset="0"/>
+              <a:ea typeface="Calibri" panose="020F0502020204030204" pitchFamily="34" charset="0"/>
+              <a:cs typeface="Calibri" panose="020F0502020204030204" pitchFamily="34" charset="0"/>
+            </a:endParaRPr>
+          </a:p>
+        </p:txBody>
+      </p:sp>
+      <p:cxnSp>
+        <p:nvCxnSpPr>
+          <p:cNvPr id="11" name="Straight Arrow Connector 10">
+            <a:extLst>
+              <a:ext uri="{FF2B5EF4-FFF2-40B4-BE49-F238E27FC236}">
+                <a16:creationId xmlns:a16="http://schemas.microsoft.com/office/drawing/2014/main" id="{53F43B84-3CC6-6554-6ADE-B8C3F96E915E}"/>
+              </a:ext>
+            </a:extLst>
+          </p:cNvPr>
+          <p:cNvCxnSpPr>
+            <a:cxnSpLocks/>
+          </p:cNvCxnSpPr>
+          <p:nvPr/>
+        </p:nvCxnSpPr>
+        <p:spPr>
+          <a:xfrm flipH="1">
+            <a:off x="7971887" y="1929865"/>
+            <a:ext cx="1934388" cy="1912913"/>
+          </a:xfrm>
+          <a:prstGeom prst="straightConnector1">
+            <a:avLst/>
+          </a:prstGeom>
+          <a:ln w="76200">
+            <a:solidFill>
+              <a:schemeClr val="accent4"/>
+            </a:solidFill>
+            <a:headEnd type="none" w="med" len="med"/>
+            <a:tailEnd type="triangle" w="med" len="med"/>
+          </a:ln>
+        </p:spPr>
+        <p:style>
+          <a:lnRef idx="1">
+            <a:schemeClr val="dk1"/>
+          </a:lnRef>
+          <a:fillRef idx="0">
+            <a:schemeClr val="dk1"/>
+          </a:fillRef>
+          <a:effectRef idx="0">
+            <a:schemeClr val="dk1"/>
+          </a:effectRef>
+          <a:fontRef idx="minor">
+            <a:schemeClr val="tx1"/>
+          </a:fontRef>
+        </p:style>
+      </p:cxnSp>
+      <p:cxnSp>
+        <p:nvCxnSpPr>
+          <p:cNvPr id="19" name="Straight Arrow Connector 18">
+            <a:extLst>
+              <a:ext uri="{FF2B5EF4-FFF2-40B4-BE49-F238E27FC236}">
+                <a16:creationId xmlns:a16="http://schemas.microsoft.com/office/drawing/2014/main" id="{49C08E23-D4BF-0FCD-4E8B-8B55AD398D38}"/>
+              </a:ext>
+            </a:extLst>
+          </p:cNvPr>
+          <p:cNvCxnSpPr>
+            <a:cxnSpLocks/>
+          </p:cNvCxnSpPr>
+          <p:nvPr/>
+        </p:nvCxnSpPr>
+        <p:spPr>
+          <a:xfrm flipH="1">
+            <a:off x="8514435" y="1473990"/>
+            <a:ext cx="1197456" cy="297140"/>
+          </a:xfrm>
+          <a:prstGeom prst="straightConnector1">
+            <a:avLst/>
+          </a:prstGeom>
+          <a:ln w="76200">
+            <a:solidFill>
+              <a:schemeClr val="accent5">
+                <a:lumMod val="60000"/>
+                <a:lumOff val="40000"/>
+              </a:schemeClr>
+            </a:solidFill>
+            <a:headEnd type="none" w="med" len="med"/>
+            <a:tailEnd type="triangle" w="med" len="med"/>
+          </a:ln>
+        </p:spPr>
+        <p:style>
+          <a:lnRef idx="1">
+            <a:schemeClr val="dk1"/>
+          </a:lnRef>
+          <a:fillRef idx="0">
+            <a:schemeClr val="dk1"/>
+          </a:fillRef>
+          <a:effectRef idx="0">
+            <a:schemeClr val="dk1"/>
+          </a:effectRef>
+          <a:fontRef idx="minor">
+            <a:schemeClr val="tx1"/>
+          </a:fontRef>
+        </p:style>
+      </p:cxnSp>
+      <p:sp>
+        <p:nvSpPr>
+          <p:cNvPr id="29" name="TextBox 28">
+            <a:extLst>
+              <a:ext uri="{FF2B5EF4-FFF2-40B4-BE49-F238E27FC236}">
+                <a16:creationId xmlns:a16="http://schemas.microsoft.com/office/drawing/2014/main" id="{94B4102E-CB96-1327-B0AA-ED398759446F}"/>
+              </a:ext>
+            </a:extLst>
+          </p:cNvPr>
+          <p:cNvSpPr txBox="1"/>
+          <p:nvPr/>
+        </p:nvSpPr>
+        <p:spPr>
+          <a:xfrm>
+            <a:off x="2100662" y="1612319"/>
+            <a:ext cx="1679563" cy="830997"/>
+          </a:xfrm>
+          <a:prstGeom prst="rect">
+            <a:avLst/>
+          </a:prstGeom>
+          <a:noFill/>
+        </p:spPr>
+        <p:txBody>
+          <a:bodyPr wrap="square" rtlCol="0">
+            <a:spAutoFit/>
+          </a:bodyPr>
+          <a:lstStyle/>
+          <a:p>
+            <a:pPr algn="r" defTabSz="1097280">
+              <a:defRPr/>
+            </a:pPr>
+            <a:r>
+              <a:rPr lang="en-US" sz="1600" i="1" kern="0" dirty="0">
+                <a:solidFill>
+                  <a:prstClr val="black"/>
+                </a:solidFill>
+                <a:latin typeface="Calibri" panose="020F0502020204030204" pitchFamily="34" charset="0"/>
+                <a:ea typeface="Calibri" panose="020F0502020204030204" pitchFamily="34" charset="0"/>
+                <a:cs typeface="Calibri" panose="020F0502020204030204" pitchFamily="34" charset="0"/>
+              </a:rPr>
+              <a:t>Collect the relevant knowledge</a:t>
+            </a:r>
+          </a:p>
+        </p:txBody>
+      </p:sp>
+      <p:cxnSp>
+        <p:nvCxnSpPr>
+          <p:cNvPr id="48" name="Straight Arrow Connector 47">
+            <a:extLst>
+              <a:ext uri="{FF2B5EF4-FFF2-40B4-BE49-F238E27FC236}">
+                <a16:creationId xmlns:a16="http://schemas.microsoft.com/office/drawing/2014/main" id="{CEEF9629-AB29-1A1F-54C0-AE1BA3DC8029}"/>
+              </a:ext>
+            </a:extLst>
+          </p:cNvPr>
+          <p:cNvCxnSpPr>
+            <a:cxnSpLocks/>
+          </p:cNvCxnSpPr>
+          <p:nvPr/>
+        </p:nvCxnSpPr>
+        <p:spPr>
+          <a:xfrm>
+            <a:off x="10795324" y="2027817"/>
+            <a:ext cx="218012" cy="997893"/>
+          </a:xfrm>
+          <a:prstGeom prst="straightConnector1">
+            <a:avLst/>
+          </a:prstGeom>
+          <a:ln w="76200">
+            <a:solidFill>
+              <a:schemeClr val="bg1">
+                <a:lumMod val="50000"/>
+              </a:schemeClr>
+            </a:solidFill>
+            <a:headEnd type="none" w="med" len="med"/>
+            <a:tailEnd type="triangle" w="med" len="med"/>
+          </a:ln>
+        </p:spPr>
+        <p:style>
+          <a:lnRef idx="1">
+            <a:schemeClr val="dk1"/>
+          </a:lnRef>
+          <a:fillRef idx="0">
+            <a:schemeClr val="dk1"/>
+          </a:fillRef>
+          <a:effectRef idx="0">
+            <a:schemeClr val="dk1"/>
+          </a:effectRef>
+          <a:fontRef idx="minor">
+            <a:schemeClr val="tx1"/>
+          </a:fontRef>
+        </p:style>
+      </p:cxnSp>
+      <p:sp>
+        <p:nvSpPr>
+          <p:cNvPr id="264" name="Rectangle: Rounded Corners 263">
+            <a:extLst>
+              <a:ext uri="{FF2B5EF4-FFF2-40B4-BE49-F238E27FC236}">
+                <a16:creationId xmlns:a16="http://schemas.microsoft.com/office/drawing/2014/main" id="{E1494786-5092-EB05-67B5-83A7F5CDB91C}"/>
+              </a:ext>
+            </a:extLst>
+          </p:cNvPr>
+          <p:cNvSpPr/>
+          <p:nvPr/>
+        </p:nvSpPr>
+        <p:spPr>
+          <a:xfrm>
+            <a:off x="5578325" y="2406041"/>
+            <a:ext cx="1686567" cy="463190"/>
+          </a:xfrm>
+          <a:prstGeom prst="roundRect">
+            <a:avLst/>
+          </a:prstGeom>
+          <a:solidFill>
+            <a:schemeClr val="bg1">
+              <a:lumMod val="95000"/>
+            </a:schemeClr>
+          </a:solidFill>
+          <a:ln>
+            <a:solidFill>
+              <a:schemeClr val="tx2">
+                <a:lumMod val="90000"/>
+                <a:lumOff val="10000"/>
+              </a:schemeClr>
+            </a:solidFill>
+          </a:ln>
+        </p:spPr>
+        <p:style>
+          <a:lnRef idx="2">
+            <a:schemeClr val="accent1">
+              <a:shade val="15000"/>
+            </a:schemeClr>
+          </a:lnRef>
+          <a:fillRef idx="1">
+            <a:schemeClr val="accent1"/>
+          </a:fillRef>
+          <a:effectRef idx="0">
+            <a:schemeClr val="accent1"/>
+          </a:effectRef>
+          <a:fontRef idx="minor">
+            <a:schemeClr val="lt1"/>
+          </a:fontRef>
+        </p:style>
+        <p:txBody>
+          <a:bodyPr rtlCol="0" anchor="ctr"/>
+          <a:lstStyle/>
+          <a:p>
+            <a:pPr algn="ctr" defTabSz="1097280">
+              <a:defRPr/>
+            </a:pPr>
+            <a:r>
+              <a:rPr lang="en-US" kern="0" dirty="0">
+                <a:solidFill>
+                  <a:prstClr val="black"/>
+                </a:solidFill>
+                <a:latin typeface="Calibri" panose="020F0502020204030204" pitchFamily="34" charset="0"/>
+                <a:ea typeface="Calibri" panose="020F0502020204030204" pitchFamily="34" charset="0"/>
+                <a:cs typeface="Calibri" panose="020F0502020204030204" pitchFamily="34" charset="0"/>
+              </a:rPr>
+              <a:t>Causal insights</a:t>
+            </a:r>
+            <a:endParaRPr lang="nl-NL" kern="0" dirty="0">
+              <a:solidFill>
+                <a:prstClr val="black"/>
+              </a:solidFill>
+              <a:latin typeface="Calibri" panose="020F0502020204030204" pitchFamily="34" charset="0"/>
+              <a:ea typeface="Calibri" panose="020F0502020204030204" pitchFamily="34" charset="0"/>
+              <a:cs typeface="Calibri" panose="020F0502020204030204" pitchFamily="34" charset="0"/>
+            </a:endParaRPr>
+          </a:p>
+        </p:txBody>
+      </p:sp>
+      <p:sp>
+        <p:nvSpPr>
+          <p:cNvPr id="265" name="Rectangle: Rounded Corners 264">
+            <a:extLst>
+              <a:ext uri="{FF2B5EF4-FFF2-40B4-BE49-F238E27FC236}">
+                <a16:creationId xmlns:a16="http://schemas.microsoft.com/office/drawing/2014/main" id="{1E9C226D-FB46-E588-C4C4-9629C5EE7436}"/>
+              </a:ext>
+            </a:extLst>
+          </p:cNvPr>
+          <p:cNvSpPr/>
+          <p:nvPr/>
+        </p:nvSpPr>
+        <p:spPr>
+          <a:xfrm>
+            <a:off x="4471604" y="1885945"/>
+            <a:ext cx="1847635" cy="463190"/>
+          </a:xfrm>
+          <a:prstGeom prst="roundRect">
+            <a:avLst/>
+          </a:prstGeom>
+          <a:solidFill>
+            <a:schemeClr val="bg1">
+              <a:lumMod val="95000"/>
+            </a:schemeClr>
+          </a:solidFill>
+          <a:ln>
+            <a:solidFill>
+              <a:schemeClr val="tx2">
+                <a:lumMod val="90000"/>
+                <a:lumOff val="10000"/>
+              </a:schemeClr>
+            </a:solidFill>
+          </a:ln>
+        </p:spPr>
+        <p:style>
+          <a:lnRef idx="2">
+            <a:schemeClr val="accent1">
+              <a:shade val="15000"/>
+            </a:schemeClr>
+          </a:lnRef>
+          <a:fillRef idx="1">
+            <a:schemeClr val="accent1"/>
+          </a:fillRef>
+          <a:effectRef idx="0">
+            <a:schemeClr val="accent1"/>
+          </a:effectRef>
+          <a:fontRef idx="minor">
+            <a:schemeClr val="lt1"/>
+          </a:fontRef>
+        </p:style>
+        <p:txBody>
+          <a:bodyPr rtlCol="0" anchor="ctr"/>
+          <a:lstStyle/>
+          <a:p>
+            <a:pPr algn="ctr" defTabSz="1097280">
+              <a:defRPr/>
+            </a:pPr>
+            <a:r>
+              <a:rPr lang="en-US" kern="0" dirty="0">
+                <a:solidFill>
+                  <a:prstClr val="black"/>
+                </a:solidFill>
+                <a:latin typeface="Calibri" panose="020F0502020204030204" pitchFamily="34" charset="0"/>
+                <a:ea typeface="Calibri" panose="020F0502020204030204" pitchFamily="34" charset="0"/>
+                <a:cs typeface="Calibri" panose="020F0502020204030204" pitchFamily="34" charset="0"/>
+              </a:rPr>
+              <a:t>Qualitative rules</a:t>
+            </a:r>
+            <a:endParaRPr lang="nl-NL" kern="0" dirty="0">
+              <a:solidFill>
+                <a:prstClr val="black"/>
+              </a:solidFill>
+              <a:latin typeface="Calibri" panose="020F0502020204030204" pitchFamily="34" charset="0"/>
+              <a:ea typeface="Calibri" panose="020F0502020204030204" pitchFamily="34" charset="0"/>
+              <a:cs typeface="Calibri" panose="020F0502020204030204" pitchFamily="34" charset="0"/>
+            </a:endParaRPr>
+          </a:p>
+        </p:txBody>
+      </p:sp>
+      <p:sp>
+        <p:nvSpPr>
+          <p:cNvPr id="267" name="Rectangle: Rounded Corners 266">
+            <a:extLst>
+              <a:ext uri="{FF2B5EF4-FFF2-40B4-BE49-F238E27FC236}">
+                <a16:creationId xmlns:a16="http://schemas.microsoft.com/office/drawing/2014/main" id="{55143A07-C13D-12F0-8C08-329C714257D1}"/>
+              </a:ext>
+            </a:extLst>
+          </p:cNvPr>
+          <p:cNvSpPr/>
+          <p:nvPr/>
+        </p:nvSpPr>
+        <p:spPr>
+          <a:xfrm>
+            <a:off x="6421608" y="1893797"/>
+            <a:ext cx="1208155" cy="463190"/>
+          </a:xfrm>
+          <a:prstGeom prst="roundRect">
+            <a:avLst/>
+          </a:prstGeom>
+          <a:solidFill>
+            <a:schemeClr val="bg1">
+              <a:lumMod val="95000"/>
+            </a:schemeClr>
+          </a:solidFill>
+          <a:ln>
+            <a:solidFill>
+              <a:schemeClr val="tx2">
+                <a:lumMod val="90000"/>
+                <a:lumOff val="10000"/>
+              </a:schemeClr>
+            </a:solidFill>
+          </a:ln>
+        </p:spPr>
+        <p:style>
+          <a:lnRef idx="2">
+            <a:schemeClr val="accent1">
+              <a:shade val="15000"/>
+            </a:schemeClr>
+          </a:lnRef>
+          <a:fillRef idx="1">
+            <a:schemeClr val="accent1"/>
+          </a:fillRef>
+          <a:effectRef idx="0">
+            <a:schemeClr val="accent1"/>
+          </a:effectRef>
+          <a:fontRef idx="minor">
+            <a:schemeClr val="lt1"/>
+          </a:fontRef>
+        </p:style>
+        <p:txBody>
+          <a:bodyPr rtlCol="0" anchor="ctr"/>
+          <a:lstStyle/>
+          <a:p>
+            <a:pPr algn="ctr" defTabSz="1097280">
+              <a:defRPr/>
+            </a:pPr>
+            <a:r>
+              <a:rPr lang="en-US" kern="0" dirty="0">
+                <a:solidFill>
+                  <a:prstClr val="black"/>
+                </a:solidFill>
+                <a:latin typeface="Calibri" panose="020F0502020204030204" pitchFamily="34" charset="0"/>
+                <a:ea typeface="Calibri" panose="020F0502020204030204" pitchFamily="34" charset="0"/>
+                <a:cs typeface="Calibri" panose="020F0502020204030204" pitchFamily="34" charset="0"/>
+              </a:rPr>
+              <a:t>Heuristics</a:t>
+            </a:r>
+            <a:endParaRPr lang="nl-NL" kern="0" dirty="0">
+              <a:solidFill>
+                <a:prstClr val="black"/>
+              </a:solidFill>
+              <a:latin typeface="Calibri" panose="020F0502020204030204" pitchFamily="34" charset="0"/>
+              <a:ea typeface="Calibri" panose="020F0502020204030204" pitchFamily="34" charset="0"/>
+              <a:cs typeface="Calibri" panose="020F0502020204030204" pitchFamily="34" charset="0"/>
+            </a:endParaRPr>
+          </a:p>
+        </p:txBody>
+      </p:sp>
+      <p:sp>
+        <p:nvSpPr>
+          <p:cNvPr id="268" name="Rectangle: Rounded Corners 267">
+            <a:extLst>
+              <a:ext uri="{FF2B5EF4-FFF2-40B4-BE49-F238E27FC236}">
+                <a16:creationId xmlns:a16="http://schemas.microsoft.com/office/drawing/2014/main" id="{906AD42A-3241-29D4-ECB5-883D8DC77503}"/>
+              </a:ext>
+            </a:extLst>
+          </p:cNvPr>
+          <p:cNvSpPr/>
+          <p:nvPr/>
+        </p:nvSpPr>
+        <p:spPr>
+          <a:xfrm>
+            <a:off x="4052923" y="2407871"/>
+            <a:ext cx="1433846" cy="463190"/>
+          </a:xfrm>
+          <a:prstGeom prst="roundRect">
+            <a:avLst/>
+          </a:prstGeom>
+          <a:solidFill>
+            <a:schemeClr val="bg1">
+              <a:lumMod val="95000"/>
+            </a:schemeClr>
+          </a:solidFill>
+          <a:ln>
+            <a:solidFill>
+              <a:schemeClr val="tx2">
+                <a:lumMod val="90000"/>
+                <a:lumOff val="10000"/>
+              </a:schemeClr>
+            </a:solidFill>
+          </a:ln>
+        </p:spPr>
+        <p:style>
+          <a:lnRef idx="2">
+            <a:schemeClr val="accent1">
+              <a:shade val="15000"/>
+            </a:schemeClr>
+          </a:lnRef>
+          <a:fillRef idx="1">
+            <a:schemeClr val="accent1"/>
+          </a:fillRef>
+          <a:effectRef idx="0">
+            <a:schemeClr val="accent1"/>
+          </a:effectRef>
+          <a:fontRef idx="minor">
+            <a:schemeClr val="lt1"/>
+          </a:fontRef>
+        </p:style>
+        <p:txBody>
+          <a:bodyPr rtlCol="0" anchor="ctr"/>
+          <a:lstStyle/>
+          <a:p>
+            <a:pPr algn="ctr" defTabSz="1097280">
+              <a:defRPr/>
+            </a:pPr>
+            <a:r>
+              <a:rPr lang="en-US" kern="0" dirty="0">
+                <a:solidFill>
+                  <a:prstClr val="black"/>
+                </a:solidFill>
+                <a:latin typeface="Calibri" panose="020F0502020204030204" pitchFamily="34" charset="0"/>
+                <a:ea typeface="Calibri" panose="020F0502020204030204" pitchFamily="34" charset="0"/>
+                <a:cs typeface="Calibri" panose="020F0502020204030204" pitchFamily="34" charset="0"/>
+              </a:rPr>
+              <a:t>Experience</a:t>
+            </a:r>
+            <a:endParaRPr lang="nl-NL" kern="0" dirty="0">
+              <a:solidFill>
+                <a:prstClr val="black"/>
+              </a:solidFill>
+              <a:latin typeface="Calibri" panose="020F0502020204030204" pitchFamily="34" charset="0"/>
+              <a:ea typeface="Calibri" panose="020F0502020204030204" pitchFamily="34" charset="0"/>
+              <a:cs typeface="Calibri" panose="020F0502020204030204" pitchFamily="34" charset="0"/>
+            </a:endParaRPr>
+          </a:p>
+        </p:txBody>
+      </p:sp>
+      <p:sp>
+        <p:nvSpPr>
+          <p:cNvPr id="270" name="Rectangle: Rounded Corners 269">
+            <a:extLst>
+              <a:ext uri="{FF2B5EF4-FFF2-40B4-BE49-F238E27FC236}">
+                <a16:creationId xmlns:a16="http://schemas.microsoft.com/office/drawing/2014/main" id="{492F9887-370D-6638-A744-04C4BD35ED46}"/>
+              </a:ext>
+            </a:extLst>
+          </p:cNvPr>
+          <p:cNvSpPr/>
+          <p:nvPr/>
+        </p:nvSpPr>
+        <p:spPr>
+          <a:xfrm>
+            <a:off x="4999793" y="2952636"/>
+            <a:ext cx="548120" cy="463190"/>
+          </a:xfrm>
+          <a:prstGeom prst="roundRect">
+            <a:avLst/>
+          </a:prstGeom>
+          <a:solidFill>
+            <a:schemeClr val="bg1">
+              <a:lumMod val="95000"/>
+            </a:schemeClr>
+          </a:solidFill>
+          <a:ln>
+            <a:solidFill>
+              <a:schemeClr val="tx2">
+                <a:lumMod val="90000"/>
+                <a:lumOff val="10000"/>
+              </a:schemeClr>
+            </a:solidFill>
+          </a:ln>
+        </p:spPr>
+        <p:style>
+          <a:lnRef idx="2">
+            <a:schemeClr val="accent1">
+              <a:shade val="15000"/>
+            </a:schemeClr>
+          </a:lnRef>
+          <a:fillRef idx="1">
+            <a:schemeClr val="accent1"/>
+          </a:fillRef>
+          <a:effectRef idx="0">
+            <a:schemeClr val="accent1"/>
+          </a:effectRef>
+          <a:fontRef idx="minor">
+            <a:schemeClr val="lt1"/>
+          </a:fontRef>
+        </p:style>
+        <p:txBody>
+          <a:bodyPr rtlCol="0" anchor="ctr"/>
+          <a:lstStyle/>
+          <a:p>
+            <a:pPr algn="ctr" defTabSz="1097280">
+              <a:defRPr/>
+            </a:pPr>
+            <a:r>
+              <a:rPr lang="en-US" kern="0" dirty="0">
+                <a:solidFill>
+                  <a:prstClr val="black"/>
+                </a:solidFill>
+                <a:latin typeface="Calibri" panose="020F0502020204030204" pitchFamily="34" charset="0"/>
+                <a:ea typeface="Calibri" panose="020F0502020204030204" pitchFamily="34" charset="0"/>
+                <a:cs typeface="Calibri" panose="020F0502020204030204" pitchFamily="34" charset="0"/>
+              </a:rPr>
+              <a:t>…</a:t>
+            </a:r>
+            <a:endParaRPr lang="nl-NL" kern="0" dirty="0">
+              <a:solidFill>
+                <a:prstClr val="black"/>
+              </a:solidFill>
+              <a:latin typeface="Calibri" panose="020F0502020204030204" pitchFamily="34" charset="0"/>
+              <a:ea typeface="Calibri" panose="020F0502020204030204" pitchFamily="34" charset="0"/>
+              <a:cs typeface="Calibri" panose="020F0502020204030204" pitchFamily="34" charset="0"/>
+            </a:endParaRPr>
+          </a:p>
+        </p:txBody>
+      </p:sp>
+      <p:pic>
+        <p:nvPicPr>
+          <p:cNvPr id="277" name="Picture 276" descr="A black text with circles and dots&#10;&#10;Description automatically generated">
+            <a:extLst>
+              <a:ext uri="{FF2B5EF4-FFF2-40B4-BE49-F238E27FC236}">
+                <a16:creationId xmlns:a16="http://schemas.microsoft.com/office/drawing/2014/main" id="{854C2556-D2C8-106D-C9A2-B3BD40E6AEEA}"/>
+              </a:ext>
+            </a:extLst>
+          </p:cNvPr>
+          <p:cNvPicPr>
+            <a:picLocks noChangeAspect="1"/>
+          </p:cNvPicPr>
+          <p:nvPr/>
+        </p:nvPicPr>
+        <p:blipFill>
+          <a:blip r:embed="rId2">
+            <a:clrChange>
+              <a:clrFrom>
+                <a:srgbClr val="FFFFFF"/>
+              </a:clrFrom>
+              <a:clrTo>
+                <a:srgbClr val="FFFFFF">
+                  <a:alpha val="0"/>
+                </a:srgbClr>
+              </a:clrTo>
+            </a:clrChange>
+            <a:extLst>
+              <a:ext uri="{28A0092B-C50C-407E-A947-70E740481C1C}">
+                <a14:useLocalDpi xmlns:a14="http://schemas.microsoft.com/office/drawing/2010/main" val="0"/>
+              </a:ext>
+            </a:extLst>
+          </a:blip>
+          <a:stretch>
+            <a:fillRect/>
+          </a:stretch>
+        </p:blipFill>
+        <p:spPr>
+          <a:xfrm>
+            <a:off x="10006299" y="7386085"/>
+            <a:ext cx="2131546" cy="1421031"/>
+          </a:xfrm>
+          <a:prstGeom prst="rect">
+            <a:avLst/>
+          </a:prstGeom>
+        </p:spPr>
+      </p:pic>
+      <p:sp>
+        <p:nvSpPr>
+          <p:cNvPr id="2" name="Rectangle: Rounded Corners 1">
+            <a:extLst>
+              <a:ext uri="{FF2B5EF4-FFF2-40B4-BE49-F238E27FC236}">
+                <a16:creationId xmlns:a16="http://schemas.microsoft.com/office/drawing/2014/main" id="{194F2672-9537-14D1-B37F-42D41E5AFE60}"/>
+              </a:ext>
+            </a:extLst>
+          </p:cNvPr>
+          <p:cNvSpPr/>
+          <p:nvPr/>
+        </p:nvSpPr>
+        <p:spPr>
+          <a:xfrm>
+            <a:off x="3338867" y="2950805"/>
+            <a:ext cx="1592468" cy="463190"/>
+          </a:xfrm>
+          <a:prstGeom prst="roundRect">
+            <a:avLst/>
+          </a:prstGeom>
+          <a:solidFill>
+            <a:schemeClr val="bg1">
+              <a:lumMod val="95000"/>
+            </a:schemeClr>
+          </a:solidFill>
+          <a:ln>
+            <a:solidFill>
+              <a:schemeClr val="tx2">
+                <a:lumMod val="90000"/>
+                <a:lumOff val="10000"/>
+              </a:schemeClr>
+            </a:solidFill>
+          </a:ln>
+        </p:spPr>
+        <p:style>
+          <a:lnRef idx="2">
+            <a:schemeClr val="accent1">
+              <a:shade val="15000"/>
+            </a:schemeClr>
+          </a:lnRef>
+          <a:fillRef idx="1">
+            <a:schemeClr val="accent1"/>
+          </a:fillRef>
+          <a:effectRef idx="0">
+            <a:schemeClr val="accent1"/>
+          </a:effectRef>
+          <a:fontRef idx="minor">
+            <a:schemeClr val="lt1"/>
+          </a:fontRef>
+        </p:style>
+        <p:txBody>
+          <a:bodyPr rtlCol="0" anchor="ctr"/>
+          <a:lstStyle/>
+          <a:p>
+            <a:pPr algn="ctr" defTabSz="1097280">
+              <a:defRPr/>
+            </a:pPr>
+            <a:r>
+              <a:rPr lang="en-US" kern="0" dirty="0">
+                <a:solidFill>
+                  <a:prstClr val="black"/>
+                </a:solidFill>
+                <a:latin typeface="Calibri" panose="020F0502020204030204" pitchFamily="34" charset="0"/>
+                <a:ea typeface="Calibri" panose="020F0502020204030204" pitchFamily="34" charset="0"/>
+                <a:cs typeface="Calibri" panose="020F0502020204030204" pitchFamily="34" charset="0"/>
+              </a:rPr>
+              <a:t>Assumptions</a:t>
+            </a:r>
+            <a:endParaRPr lang="nl-NL" kern="0" dirty="0">
+              <a:solidFill>
+                <a:prstClr val="black"/>
+              </a:solidFill>
+              <a:latin typeface="Calibri" panose="020F0502020204030204" pitchFamily="34" charset="0"/>
+              <a:ea typeface="Calibri" panose="020F0502020204030204" pitchFamily="34" charset="0"/>
+              <a:cs typeface="Calibri" panose="020F0502020204030204" pitchFamily="34" charset="0"/>
+            </a:endParaRPr>
+          </a:p>
+        </p:txBody>
+      </p:sp>
+      <p:sp>
+        <p:nvSpPr>
+          <p:cNvPr id="44" name="TextBox 43">
+            <a:extLst>
+              <a:ext uri="{FF2B5EF4-FFF2-40B4-BE49-F238E27FC236}">
+                <a16:creationId xmlns:a16="http://schemas.microsoft.com/office/drawing/2014/main" id="{F7AA6691-6A49-2B15-1C95-E317E54A30CC}"/>
+              </a:ext>
+            </a:extLst>
+          </p:cNvPr>
+          <p:cNvSpPr txBox="1"/>
+          <p:nvPr/>
+        </p:nvSpPr>
+        <p:spPr>
+          <a:xfrm>
+            <a:off x="4864169" y="4270665"/>
+            <a:ext cx="3215482" cy="1077218"/>
+          </a:xfrm>
+          <a:prstGeom prst="rect">
+            <a:avLst/>
+          </a:prstGeom>
+          <a:noFill/>
+        </p:spPr>
+        <p:txBody>
+          <a:bodyPr wrap="square" rtlCol="0">
+            <a:spAutoFit/>
+          </a:bodyPr>
+          <a:lstStyle/>
+          <a:p>
+            <a:pPr algn="r"/>
+            <a:r>
+              <a:rPr lang="en-US" sz="3200" b="1" u="sng" dirty="0">
+                <a:effectLst>
+                  <a:outerShdw blurRad="38100" dist="38100" dir="2700000" algn="tl">
+                    <a:srgbClr val="000000">
+                      <a:alpha val="43137"/>
+                    </a:srgbClr>
+                  </a:outerShdw>
+                </a:effectLst>
+                <a:latin typeface="Calibri" panose="020F0502020204030204" pitchFamily="34" charset="0"/>
+                <a:ea typeface="Calibri" panose="020F0502020204030204" pitchFamily="34" charset="0"/>
+                <a:cs typeface="Calibri" panose="020F0502020204030204" pitchFamily="34" charset="0"/>
+              </a:rPr>
+              <a:t>Structured</a:t>
+            </a:r>
+          </a:p>
+          <a:p>
+            <a:pPr algn="r"/>
+            <a:r>
+              <a:rPr lang="en-US" sz="3200" b="1" u="sng" dirty="0">
+                <a:effectLst>
+                  <a:outerShdw blurRad="38100" dist="38100" dir="2700000" algn="tl">
+                    <a:srgbClr val="000000">
+                      <a:alpha val="43137"/>
+                    </a:srgbClr>
+                  </a:outerShdw>
+                </a:effectLst>
+                <a:latin typeface="Calibri" panose="020F0502020204030204" pitchFamily="34" charset="0"/>
+                <a:ea typeface="Calibri" panose="020F0502020204030204" pitchFamily="34" charset="0"/>
+                <a:cs typeface="Calibri" panose="020F0502020204030204" pitchFamily="34" charset="0"/>
+              </a:rPr>
+              <a:t>Representation</a:t>
+            </a:r>
+            <a:endParaRPr lang="nl-NL" sz="3200" b="1" u="sng" dirty="0">
+              <a:effectLst>
+                <a:outerShdw blurRad="38100" dist="38100" dir="2700000" algn="tl">
+                  <a:srgbClr val="000000">
+                    <a:alpha val="43137"/>
+                  </a:srgbClr>
+                </a:outerShdw>
+              </a:effectLst>
+              <a:latin typeface="Calibri" panose="020F0502020204030204" pitchFamily="34" charset="0"/>
+              <a:ea typeface="Calibri" panose="020F0502020204030204" pitchFamily="34" charset="0"/>
+              <a:cs typeface="Calibri" panose="020F0502020204030204" pitchFamily="34" charset="0"/>
+            </a:endParaRPr>
+          </a:p>
+        </p:txBody>
+      </p:sp>
+      <p:sp>
+        <p:nvSpPr>
+          <p:cNvPr id="274" name="Freeform: Shape 273">
+            <a:extLst>
+              <a:ext uri="{FF2B5EF4-FFF2-40B4-BE49-F238E27FC236}">
+                <a16:creationId xmlns:a16="http://schemas.microsoft.com/office/drawing/2014/main" id="{6E033896-5400-B4A1-439B-8119A05965BA}"/>
+              </a:ext>
+            </a:extLst>
+          </p:cNvPr>
+          <p:cNvSpPr/>
+          <p:nvPr/>
+        </p:nvSpPr>
+        <p:spPr>
+          <a:xfrm rot="21162363">
+            <a:off x="1429996" y="5331925"/>
+            <a:ext cx="3615863" cy="1648698"/>
+          </a:xfrm>
+          <a:custGeom>
+            <a:avLst/>
+            <a:gdLst>
+              <a:gd name="connsiteX0" fmla="*/ 1194125 w 2815990"/>
+              <a:gd name="connsiteY0" fmla="*/ 17604 h 2038748"/>
+              <a:gd name="connsiteX1" fmla="*/ 294239 w 2815990"/>
+              <a:gd name="connsiteY1" fmla="*/ 191776 h 2038748"/>
+              <a:gd name="connsiteX2" fmla="*/ 105553 w 2815990"/>
+              <a:gd name="connsiteY2" fmla="*/ 1527090 h 2038748"/>
+              <a:gd name="connsiteX3" fmla="*/ 1818239 w 2815990"/>
+              <a:gd name="connsiteY3" fmla="*/ 1977033 h 2038748"/>
+              <a:gd name="connsiteX4" fmla="*/ 2805210 w 2815990"/>
+              <a:gd name="connsiteY4" fmla="*/ 278862 h 2038748"/>
+              <a:gd name="connsiteX5" fmla="*/ 1194125 w 2815990"/>
+              <a:gd name="connsiteY5" fmla="*/ 17604 h 2038748"/>
+            </a:gdLst>
+            <a:ahLst/>
+            <a:cxnLst>
+              <a:cxn ang="0">
+                <a:pos x="connsiteX0" y="connsiteY0"/>
+              </a:cxn>
+              <a:cxn ang="0">
+                <a:pos x="connsiteX1" y="connsiteY1"/>
+              </a:cxn>
+              <a:cxn ang="0">
+                <a:pos x="connsiteX2" y="connsiteY2"/>
+              </a:cxn>
+              <a:cxn ang="0">
+                <a:pos x="connsiteX3" y="connsiteY3"/>
+              </a:cxn>
+              <a:cxn ang="0">
+                <a:pos x="connsiteX4" y="connsiteY4"/>
+              </a:cxn>
+              <a:cxn ang="0">
+                <a:pos x="connsiteX5" y="connsiteY5"/>
+              </a:cxn>
+            </a:cxnLst>
+            <a:rect l="l" t="t" r="r" b="b"/>
+            <a:pathLst>
+              <a:path w="2815990" h="2038748">
+                <a:moveTo>
+                  <a:pt x="1194125" y="17604"/>
+                </a:moveTo>
+                <a:cubicBezTo>
+                  <a:pt x="775630" y="3090"/>
+                  <a:pt x="475668" y="-59805"/>
+                  <a:pt x="294239" y="191776"/>
+                </a:cubicBezTo>
+                <a:cubicBezTo>
+                  <a:pt x="112810" y="443357"/>
+                  <a:pt x="-148447" y="1229547"/>
+                  <a:pt x="105553" y="1527090"/>
+                </a:cubicBezTo>
+                <a:cubicBezTo>
+                  <a:pt x="359553" y="1824633"/>
+                  <a:pt x="1368296" y="2185071"/>
+                  <a:pt x="1818239" y="1977033"/>
+                </a:cubicBezTo>
+                <a:cubicBezTo>
+                  <a:pt x="2268182" y="1768995"/>
+                  <a:pt x="2906810" y="605433"/>
+                  <a:pt x="2805210" y="278862"/>
+                </a:cubicBezTo>
+                <a:cubicBezTo>
+                  <a:pt x="2703610" y="-47709"/>
+                  <a:pt x="1612620" y="32118"/>
+                  <a:pt x="1194125" y="17604"/>
+                </a:cubicBezTo>
+                <a:close/>
+              </a:path>
+            </a:pathLst>
+          </a:custGeom>
+          <a:solidFill>
+            <a:schemeClr val="bg1">
+              <a:alpha val="46000"/>
+            </a:schemeClr>
+          </a:solidFill>
+          <a:ln>
+            <a:solidFill>
+              <a:schemeClr val="bg1"/>
+            </a:solidFill>
+          </a:ln>
+        </p:spPr>
+        <p:style>
+          <a:lnRef idx="2">
+            <a:schemeClr val="accent1">
+              <a:shade val="15000"/>
+            </a:schemeClr>
+          </a:lnRef>
+          <a:fillRef idx="1">
+            <a:schemeClr val="accent1"/>
+          </a:fillRef>
+          <a:effectRef idx="0">
+            <a:schemeClr val="accent1"/>
+          </a:effectRef>
+          <a:fontRef idx="minor">
+            <a:schemeClr val="lt1"/>
+          </a:fontRef>
+        </p:style>
+        <p:txBody>
+          <a:bodyPr rtlCol="0" anchor="ctr"/>
+          <a:lstStyle/>
+          <a:p>
+            <a:pPr algn="ctr"/>
+            <a:endParaRPr lang="nl-NL"/>
+          </a:p>
+        </p:txBody>
+      </p:sp>
+      <p:sp>
+        <p:nvSpPr>
+          <p:cNvPr id="275" name="Rectangle: Rounded Corners 274">
+            <a:extLst>
+              <a:ext uri="{FF2B5EF4-FFF2-40B4-BE49-F238E27FC236}">
+                <a16:creationId xmlns:a16="http://schemas.microsoft.com/office/drawing/2014/main" id="{403B943A-40C4-C10B-11B6-6853FBCF0C5D}"/>
+              </a:ext>
+            </a:extLst>
+          </p:cNvPr>
+          <p:cNvSpPr/>
+          <p:nvPr/>
+        </p:nvSpPr>
+        <p:spPr>
+          <a:xfrm>
+            <a:off x="1810094" y="5740626"/>
+            <a:ext cx="1155132" cy="463190"/>
+          </a:xfrm>
+          <a:prstGeom prst="roundRect">
+            <a:avLst/>
+          </a:prstGeom>
+          <a:solidFill>
+            <a:schemeClr val="bg1">
+              <a:lumMod val="95000"/>
+            </a:schemeClr>
+          </a:solidFill>
+          <a:ln>
+            <a:solidFill>
+              <a:schemeClr val="tx2">
+                <a:lumMod val="90000"/>
+                <a:lumOff val="10000"/>
+              </a:schemeClr>
+            </a:solidFill>
+          </a:ln>
+        </p:spPr>
+        <p:style>
+          <a:lnRef idx="2">
+            <a:schemeClr val="accent1">
+              <a:shade val="15000"/>
+            </a:schemeClr>
+          </a:lnRef>
+          <a:fillRef idx="1">
+            <a:schemeClr val="accent1"/>
+          </a:fillRef>
+          <a:effectRef idx="0">
+            <a:schemeClr val="accent1"/>
+          </a:effectRef>
+          <a:fontRef idx="minor">
+            <a:schemeClr val="lt1"/>
+          </a:fontRef>
+        </p:style>
+        <p:txBody>
+          <a:bodyPr rtlCol="0" anchor="ctr"/>
+          <a:lstStyle/>
+          <a:p>
+            <a:pPr algn="ctr"/>
+            <a:r>
+              <a:rPr lang="en-US" dirty="0">
+                <a:solidFill>
+                  <a:schemeClr val="tx1"/>
+                </a:solidFill>
+              </a:rPr>
+              <a:t>Variables</a:t>
+            </a:r>
+            <a:endParaRPr lang="nl-NL" dirty="0">
+              <a:solidFill>
+                <a:schemeClr val="tx1"/>
+              </a:solidFill>
+            </a:endParaRPr>
+          </a:p>
+        </p:txBody>
+      </p:sp>
+      <p:sp>
+        <p:nvSpPr>
+          <p:cNvPr id="281" name="Rectangle: Rounded Corners 280">
+            <a:extLst>
+              <a:ext uri="{FF2B5EF4-FFF2-40B4-BE49-F238E27FC236}">
+                <a16:creationId xmlns:a16="http://schemas.microsoft.com/office/drawing/2014/main" id="{637B5E2E-FC79-C920-D7EE-8F3B63CEE906}"/>
+              </a:ext>
+            </a:extLst>
+          </p:cNvPr>
+          <p:cNvSpPr/>
+          <p:nvPr/>
+        </p:nvSpPr>
+        <p:spPr>
+          <a:xfrm>
+            <a:off x="2167559" y="6289373"/>
+            <a:ext cx="1662412" cy="463190"/>
+          </a:xfrm>
+          <a:prstGeom prst="roundRect">
+            <a:avLst/>
+          </a:prstGeom>
+          <a:solidFill>
+            <a:schemeClr val="bg1">
+              <a:lumMod val="95000"/>
+            </a:schemeClr>
+          </a:solidFill>
+          <a:ln>
+            <a:solidFill>
+              <a:schemeClr val="tx2">
+                <a:lumMod val="90000"/>
+                <a:lumOff val="10000"/>
+              </a:schemeClr>
+            </a:solidFill>
+          </a:ln>
+        </p:spPr>
+        <p:style>
+          <a:lnRef idx="2">
+            <a:schemeClr val="accent1">
+              <a:shade val="15000"/>
+            </a:schemeClr>
+          </a:lnRef>
+          <a:fillRef idx="1">
+            <a:schemeClr val="accent1"/>
+          </a:fillRef>
+          <a:effectRef idx="0">
+            <a:schemeClr val="accent1"/>
+          </a:effectRef>
+          <a:fontRef idx="minor">
+            <a:schemeClr val="lt1"/>
+          </a:fontRef>
+        </p:style>
+        <p:txBody>
+          <a:bodyPr rtlCol="0" anchor="ctr"/>
+          <a:lstStyle/>
+          <a:p>
+            <a:pPr algn="ctr"/>
+            <a:r>
+              <a:rPr lang="en-US" dirty="0">
+                <a:solidFill>
+                  <a:schemeClr val="tx1"/>
+                </a:solidFill>
+              </a:rPr>
+              <a:t>Relationships</a:t>
+            </a:r>
+            <a:endParaRPr lang="nl-NL" dirty="0">
+              <a:solidFill>
+                <a:schemeClr val="tx1"/>
+              </a:solidFill>
+            </a:endParaRPr>
+          </a:p>
+        </p:txBody>
+      </p:sp>
+      <p:sp>
+        <p:nvSpPr>
+          <p:cNvPr id="283" name="Rectangle: Rounded Corners 282">
+            <a:extLst>
+              <a:ext uri="{FF2B5EF4-FFF2-40B4-BE49-F238E27FC236}">
+                <a16:creationId xmlns:a16="http://schemas.microsoft.com/office/drawing/2014/main" id="{55121269-7A6B-416C-AE73-D1566054C429}"/>
+              </a:ext>
+            </a:extLst>
+          </p:cNvPr>
+          <p:cNvSpPr/>
+          <p:nvPr/>
+        </p:nvSpPr>
+        <p:spPr>
+          <a:xfrm>
+            <a:off x="3074426" y="5741464"/>
+            <a:ext cx="1478360" cy="463190"/>
+          </a:xfrm>
+          <a:prstGeom prst="roundRect">
+            <a:avLst/>
+          </a:prstGeom>
+          <a:solidFill>
+            <a:schemeClr val="bg1">
+              <a:lumMod val="95000"/>
+            </a:schemeClr>
+          </a:solidFill>
+          <a:ln>
+            <a:solidFill>
+              <a:schemeClr val="tx2">
+                <a:lumMod val="90000"/>
+                <a:lumOff val="10000"/>
+              </a:schemeClr>
+            </a:solidFill>
+          </a:ln>
+        </p:spPr>
+        <p:style>
+          <a:lnRef idx="2">
+            <a:schemeClr val="accent1">
+              <a:shade val="15000"/>
+            </a:schemeClr>
+          </a:lnRef>
+          <a:fillRef idx="1">
+            <a:schemeClr val="accent1"/>
+          </a:fillRef>
+          <a:effectRef idx="0">
+            <a:schemeClr val="accent1"/>
+          </a:effectRef>
+          <a:fontRef idx="minor">
+            <a:schemeClr val="lt1"/>
+          </a:fontRef>
+        </p:style>
+        <p:txBody>
+          <a:bodyPr rtlCol="0" anchor="ctr"/>
+          <a:lstStyle/>
+          <a:p>
+            <a:pPr algn="ctr"/>
+            <a:r>
+              <a:rPr lang="en-US" dirty="0">
+                <a:solidFill>
+                  <a:schemeClr val="tx1"/>
+                </a:solidFill>
+              </a:rPr>
+              <a:t>Probabilities</a:t>
+            </a:r>
+            <a:endParaRPr lang="nl-NL" dirty="0">
+              <a:solidFill>
+                <a:schemeClr val="tx1"/>
+              </a:solidFill>
+            </a:endParaRPr>
+          </a:p>
+        </p:txBody>
+      </p:sp>
+      <p:sp>
+        <p:nvSpPr>
+          <p:cNvPr id="292" name="Oval 291">
+            <a:extLst>
+              <a:ext uri="{FF2B5EF4-FFF2-40B4-BE49-F238E27FC236}">
+                <a16:creationId xmlns:a16="http://schemas.microsoft.com/office/drawing/2014/main" id="{02C1532B-E366-F79A-4C4D-26F4A46D1020}"/>
+              </a:ext>
+            </a:extLst>
+          </p:cNvPr>
+          <p:cNvSpPr/>
+          <p:nvPr/>
+        </p:nvSpPr>
+        <p:spPr>
+          <a:xfrm>
+            <a:off x="10964766" y="4657426"/>
+            <a:ext cx="968673" cy="685223"/>
+          </a:xfrm>
+          <a:prstGeom prst="ellipse">
+            <a:avLst/>
+          </a:prstGeom>
+          <a:solidFill>
+            <a:schemeClr val="bg1">
+              <a:lumMod val="95000"/>
+            </a:schemeClr>
+          </a:solidFill>
+          <a:ln>
+            <a:solidFill>
+              <a:schemeClr val="tx2">
+                <a:lumMod val="90000"/>
+                <a:lumOff val="10000"/>
+              </a:schemeClr>
+            </a:solidFill>
+          </a:ln>
+        </p:spPr>
+        <p:style>
+          <a:lnRef idx="2">
+            <a:schemeClr val="accent1">
+              <a:shade val="15000"/>
+            </a:schemeClr>
+          </a:lnRef>
+          <a:fillRef idx="1">
+            <a:schemeClr val="accent1"/>
+          </a:fillRef>
+          <a:effectRef idx="0">
+            <a:schemeClr val="accent1"/>
+          </a:effectRef>
+          <a:fontRef idx="minor">
+            <a:schemeClr val="lt1"/>
+          </a:fontRef>
+        </p:style>
+        <p:txBody>
+          <a:bodyPr rtlCol="0" anchor="ctr"/>
+          <a:lstStyle/>
+          <a:p>
+            <a:pPr algn="ctr"/>
+            <a:r>
+              <a:rPr lang="en-GB" dirty="0">
+                <a:solidFill>
+                  <a:schemeClr val="tx1"/>
+                </a:solidFill>
+              </a:rPr>
+              <a:t>Rain</a:t>
+            </a:r>
+            <a:endParaRPr lang="en-NL" dirty="0">
+              <a:solidFill>
+                <a:schemeClr val="tx1"/>
+              </a:solidFill>
+            </a:endParaRPr>
+          </a:p>
+        </p:txBody>
+      </p:sp>
+      <p:sp>
+        <p:nvSpPr>
+          <p:cNvPr id="293" name="Oval 292">
+            <a:extLst>
+              <a:ext uri="{FF2B5EF4-FFF2-40B4-BE49-F238E27FC236}">
+                <a16:creationId xmlns:a16="http://schemas.microsoft.com/office/drawing/2014/main" id="{384A41BF-D530-0F55-D893-03B0EB61A0EB}"/>
+              </a:ext>
+            </a:extLst>
+          </p:cNvPr>
+          <p:cNvSpPr/>
+          <p:nvPr/>
+        </p:nvSpPr>
+        <p:spPr>
+          <a:xfrm>
+            <a:off x="11363017" y="5846986"/>
+            <a:ext cx="1133889" cy="704239"/>
+          </a:xfrm>
+          <a:prstGeom prst="ellipse">
+            <a:avLst/>
+          </a:prstGeom>
+          <a:solidFill>
+            <a:schemeClr val="bg1">
+              <a:lumMod val="95000"/>
+            </a:schemeClr>
+          </a:solidFill>
+          <a:ln>
+            <a:solidFill>
+              <a:schemeClr val="tx2">
+                <a:lumMod val="90000"/>
+                <a:lumOff val="10000"/>
+              </a:schemeClr>
+            </a:solidFill>
+          </a:ln>
+        </p:spPr>
+        <p:style>
+          <a:lnRef idx="2">
+            <a:schemeClr val="accent1">
+              <a:shade val="15000"/>
+            </a:schemeClr>
+          </a:lnRef>
+          <a:fillRef idx="1">
+            <a:schemeClr val="accent1"/>
+          </a:fillRef>
+          <a:effectRef idx="0">
+            <a:schemeClr val="accent1"/>
+          </a:effectRef>
+          <a:fontRef idx="minor">
+            <a:schemeClr val="lt1"/>
+          </a:fontRef>
+        </p:style>
+        <p:txBody>
+          <a:bodyPr rtlCol="0" anchor="ctr"/>
+          <a:lstStyle/>
+          <a:p>
+            <a:pPr algn="ctr"/>
+            <a:r>
+              <a:rPr lang="en-GB" dirty="0">
+                <a:solidFill>
+                  <a:schemeClr val="tx1"/>
+                </a:solidFill>
+              </a:rPr>
+              <a:t>Wet Grass</a:t>
+            </a:r>
+            <a:endParaRPr lang="en-NL" dirty="0">
+              <a:solidFill>
+                <a:schemeClr val="tx1"/>
+              </a:solidFill>
+            </a:endParaRPr>
+          </a:p>
+        </p:txBody>
+      </p:sp>
+      <p:sp>
+        <p:nvSpPr>
+          <p:cNvPr id="298" name="Freeform: Shape 297">
+            <a:extLst>
+              <a:ext uri="{FF2B5EF4-FFF2-40B4-BE49-F238E27FC236}">
+                <a16:creationId xmlns:a16="http://schemas.microsoft.com/office/drawing/2014/main" id="{274B6904-6082-71DC-09B7-0F4CB5FDDC94}"/>
+              </a:ext>
+            </a:extLst>
+          </p:cNvPr>
+          <p:cNvSpPr/>
+          <p:nvPr/>
+        </p:nvSpPr>
+        <p:spPr>
+          <a:xfrm rot="21265443">
+            <a:off x="4215293" y="5629010"/>
+            <a:ext cx="3820807" cy="2848153"/>
+          </a:xfrm>
+          <a:custGeom>
+            <a:avLst/>
+            <a:gdLst>
+              <a:gd name="connsiteX0" fmla="*/ 1283782 w 3910230"/>
+              <a:gd name="connsiteY0" fmla="*/ 102506 h 2165334"/>
+              <a:gd name="connsiteX1" fmla="*/ 157627 w 3910230"/>
+              <a:gd name="connsiteY1" fmla="*/ 1180535 h 2165334"/>
+              <a:gd name="connsiteX2" fmla="*/ 321256 w 3910230"/>
+              <a:gd name="connsiteY2" fmla="*/ 1979432 h 2165334"/>
+              <a:gd name="connsiteX3" fmla="*/ 3025955 w 3910230"/>
+              <a:gd name="connsiteY3" fmla="*/ 2075685 h 2165334"/>
+              <a:gd name="connsiteX4" fmla="*/ 3709349 w 3910230"/>
+              <a:gd name="connsiteY4" fmla="*/ 882152 h 2165334"/>
+              <a:gd name="connsiteX5" fmla="*/ 3699724 w 3910230"/>
+              <a:gd name="connsiteY5" fmla="*/ 131382 h 2165334"/>
+              <a:gd name="connsiteX6" fmla="*/ 1283782 w 3910230"/>
+              <a:gd name="connsiteY6" fmla="*/ 102506 h 2165334"/>
+            </a:gdLst>
+            <a:ahLst/>
+            <a:cxnLst>
+              <a:cxn ang="0">
+                <a:pos x="connsiteX0" y="connsiteY0"/>
+              </a:cxn>
+              <a:cxn ang="0">
+                <a:pos x="connsiteX1" y="connsiteY1"/>
+              </a:cxn>
+              <a:cxn ang="0">
+                <a:pos x="connsiteX2" y="connsiteY2"/>
+              </a:cxn>
+              <a:cxn ang="0">
+                <a:pos x="connsiteX3" y="connsiteY3"/>
+              </a:cxn>
+              <a:cxn ang="0">
+                <a:pos x="connsiteX4" y="connsiteY4"/>
+              </a:cxn>
+              <a:cxn ang="0">
+                <a:pos x="connsiteX5" y="connsiteY5"/>
+              </a:cxn>
+              <a:cxn ang="0">
+                <a:pos x="connsiteX6" y="connsiteY6"/>
+              </a:cxn>
+            </a:cxnLst>
+            <a:rect l="l" t="t" r="r" b="b"/>
+            <a:pathLst>
+              <a:path w="3910230" h="2165334">
+                <a:moveTo>
+                  <a:pt x="1283782" y="102506"/>
+                </a:moveTo>
+                <a:cubicBezTo>
+                  <a:pt x="693432" y="277365"/>
+                  <a:pt x="318048" y="867714"/>
+                  <a:pt x="157627" y="1180535"/>
+                </a:cubicBezTo>
+                <a:cubicBezTo>
+                  <a:pt x="-2794" y="1493356"/>
+                  <a:pt x="-156799" y="1830240"/>
+                  <a:pt x="321256" y="1979432"/>
+                </a:cubicBezTo>
+                <a:cubicBezTo>
+                  <a:pt x="799311" y="2128624"/>
+                  <a:pt x="2461273" y="2258565"/>
+                  <a:pt x="3025955" y="2075685"/>
+                </a:cubicBezTo>
+                <a:cubicBezTo>
+                  <a:pt x="3590637" y="1892805"/>
+                  <a:pt x="3597054" y="1206203"/>
+                  <a:pt x="3709349" y="882152"/>
+                </a:cubicBezTo>
+                <a:cubicBezTo>
+                  <a:pt x="3821644" y="558101"/>
+                  <a:pt x="4103985" y="259719"/>
+                  <a:pt x="3699724" y="131382"/>
+                </a:cubicBezTo>
+                <a:cubicBezTo>
+                  <a:pt x="3295463" y="3045"/>
+                  <a:pt x="1874132" y="-72353"/>
+                  <a:pt x="1283782" y="102506"/>
+                </a:cubicBezTo>
+                <a:close/>
+              </a:path>
+            </a:pathLst>
+          </a:custGeom>
+          <a:solidFill>
+            <a:schemeClr val="bg1">
+              <a:alpha val="46000"/>
+            </a:schemeClr>
+          </a:solidFill>
+          <a:ln>
+            <a:solidFill>
+              <a:schemeClr val="bg1"/>
+            </a:solidFill>
+          </a:ln>
+        </p:spPr>
+        <p:style>
+          <a:lnRef idx="2">
+            <a:schemeClr val="accent1">
+              <a:shade val="15000"/>
+            </a:schemeClr>
+          </a:lnRef>
+          <a:fillRef idx="1">
+            <a:schemeClr val="accent1"/>
+          </a:fillRef>
+          <a:effectRef idx="0">
+            <a:schemeClr val="accent1"/>
+          </a:effectRef>
+          <a:fontRef idx="minor">
+            <a:schemeClr val="lt1"/>
+          </a:fontRef>
+        </p:style>
+        <p:txBody>
+          <a:bodyPr rtlCol="0" anchor="ctr"/>
+          <a:lstStyle/>
+          <a:p>
+            <a:pPr algn="ctr"/>
+            <a:endParaRPr lang="en-NL"/>
+          </a:p>
+        </p:txBody>
+      </p:sp>
+      <p:sp>
+        <p:nvSpPr>
+          <p:cNvPr id="299" name="Rectangle: Rounded Corners 298">
+            <a:extLst>
+              <a:ext uri="{FF2B5EF4-FFF2-40B4-BE49-F238E27FC236}">
+                <a16:creationId xmlns:a16="http://schemas.microsoft.com/office/drawing/2014/main" id="{053568A0-461B-D19E-A5DC-A9D0C024D250}"/>
+              </a:ext>
+            </a:extLst>
+          </p:cNvPr>
+          <p:cNvSpPr/>
+          <p:nvPr/>
+        </p:nvSpPr>
+        <p:spPr>
+          <a:xfrm>
+            <a:off x="5391879" y="6625180"/>
+            <a:ext cx="1983489" cy="463190"/>
+          </a:xfrm>
+          <a:prstGeom prst="roundRect">
+            <a:avLst/>
+          </a:prstGeom>
+          <a:solidFill>
+            <a:schemeClr val="bg1">
+              <a:lumMod val="95000"/>
+            </a:schemeClr>
+          </a:solidFill>
+          <a:ln>
+            <a:solidFill>
+              <a:schemeClr val="tx2">
+                <a:lumMod val="90000"/>
+                <a:lumOff val="10000"/>
+              </a:schemeClr>
+            </a:solidFill>
+          </a:ln>
+        </p:spPr>
+        <p:style>
+          <a:lnRef idx="2">
+            <a:schemeClr val="accent1">
+              <a:shade val="15000"/>
+            </a:schemeClr>
+          </a:lnRef>
+          <a:fillRef idx="1">
+            <a:schemeClr val="accent1"/>
+          </a:fillRef>
+          <a:effectRef idx="0">
+            <a:schemeClr val="accent1"/>
+          </a:effectRef>
+          <a:fontRef idx="minor">
+            <a:schemeClr val="lt1"/>
+          </a:fontRef>
+        </p:style>
+        <p:txBody>
+          <a:bodyPr rtlCol="0" anchor="ctr"/>
+          <a:lstStyle/>
+          <a:p>
+            <a:pPr algn="ctr"/>
+            <a:r>
+              <a:rPr lang="en-US" dirty="0">
+                <a:solidFill>
+                  <a:schemeClr val="tx1"/>
+                </a:solidFill>
+              </a:rPr>
+              <a:t>Rain → Wet Grass</a:t>
+            </a:r>
+            <a:endParaRPr lang="nl-NL" dirty="0">
+              <a:solidFill>
+                <a:schemeClr val="tx1"/>
+              </a:solidFill>
+            </a:endParaRPr>
+          </a:p>
+        </p:txBody>
+      </p:sp>
+      <p:sp>
+        <p:nvSpPr>
+          <p:cNvPr id="300" name="Rectangle: Rounded Corners 299">
+            <a:extLst>
+              <a:ext uri="{FF2B5EF4-FFF2-40B4-BE49-F238E27FC236}">
+                <a16:creationId xmlns:a16="http://schemas.microsoft.com/office/drawing/2014/main" id="{27E04643-FC97-A033-8AE1-8980DB43C0FD}"/>
+              </a:ext>
+            </a:extLst>
+          </p:cNvPr>
+          <p:cNvSpPr/>
+          <p:nvPr/>
+        </p:nvSpPr>
+        <p:spPr>
+          <a:xfrm>
+            <a:off x="4494858" y="7676682"/>
+            <a:ext cx="2896485" cy="463190"/>
+          </a:xfrm>
+          <a:prstGeom prst="roundRect">
+            <a:avLst/>
+          </a:prstGeom>
+          <a:solidFill>
+            <a:schemeClr val="bg1">
+              <a:lumMod val="95000"/>
+            </a:schemeClr>
+          </a:solidFill>
+          <a:ln>
+            <a:solidFill>
+              <a:schemeClr val="tx2">
+                <a:lumMod val="90000"/>
+                <a:lumOff val="10000"/>
+              </a:schemeClr>
+            </a:solidFill>
+          </a:ln>
+        </p:spPr>
+        <p:style>
+          <a:lnRef idx="2">
+            <a:schemeClr val="accent1">
+              <a:shade val="15000"/>
+            </a:schemeClr>
+          </a:lnRef>
+          <a:fillRef idx="1">
+            <a:schemeClr val="accent1"/>
+          </a:fillRef>
+          <a:effectRef idx="0">
+            <a:schemeClr val="accent1"/>
+          </a:effectRef>
+          <a:fontRef idx="minor">
+            <a:schemeClr val="lt1"/>
+          </a:fontRef>
+        </p:style>
+        <p:txBody>
+          <a:bodyPr rtlCol="0" anchor="ctr"/>
+          <a:lstStyle/>
+          <a:p>
+            <a:pPr algn="ctr"/>
+            <a:r>
+              <a:rPr lang="en-US" sz="1600" dirty="0">
+                <a:solidFill>
+                  <a:schemeClr val="tx1"/>
+                </a:solidFill>
+              </a:rPr>
+              <a:t>P(Wet Grass | Rain, Sprinkler)</a:t>
+            </a:r>
+            <a:endParaRPr lang="nl-NL" sz="1600" dirty="0">
+              <a:solidFill>
+                <a:schemeClr val="tx1"/>
+              </a:solidFill>
+            </a:endParaRPr>
+          </a:p>
+        </p:txBody>
+      </p:sp>
+      <p:sp>
+        <p:nvSpPr>
+          <p:cNvPr id="301" name="Rectangle: Rounded Corners 300">
+            <a:extLst>
+              <a:ext uri="{FF2B5EF4-FFF2-40B4-BE49-F238E27FC236}">
+                <a16:creationId xmlns:a16="http://schemas.microsoft.com/office/drawing/2014/main" id="{BE0733DA-602E-EBEA-3FC9-CE9F00166978}"/>
+              </a:ext>
+            </a:extLst>
+          </p:cNvPr>
+          <p:cNvSpPr/>
+          <p:nvPr/>
+        </p:nvSpPr>
+        <p:spPr>
+          <a:xfrm>
+            <a:off x="4615896" y="7154490"/>
+            <a:ext cx="1629532" cy="463190"/>
+          </a:xfrm>
+          <a:prstGeom prst="roundRect">
+            <a:avLst/>
+          </a:prstGeom>
+          <a:solidFill>
+            <a:schemeClr val="bg1">
+              <a:lumMod val="95000"/>
+            </a:schemeClr>
+          </a:solidFill>
+          <a:ln>
+            <a:solidFill>
+              <a:schemeClr val="tx2">
+                <a:lumMod val="90000"/>
+                <a:lumOff val="10000"/>
+              </a:schemeClr>
+            </a:solidFill>
+          </a:ln>
+        </p:spPr>
+        <p:style>
+          <a:lnRef idx="2">
+            <a:schemeClr val="accent1">
+              <a:shade val="15000"/>
+            </a:schemeClr>
+          </a:lnRef>
+          <a:fillRef idx="1">
+            <a:schemeClr val="accent1"/>
+          </a:fillRef>
+          <a:effectRef idx="0">
+            <a:schemeClr val="accent1"/>
+          </a:effectRef>
+          <a:fontRef idx="minor">
+            <a:schemeClr val="lt1"/>
+          </a:fontRef>
+        </p:style>
+        <p:txBody>
+          <a:bodyPr rtlCol="0" anchor="ctr"/>
+          <a:lstStyle/>
+          <a:p>
+            <a:pPr algn="ctr"/>
+            <a:r>
+              <a:rPr lang="en-US" dirty="0">
+                <a:solidFill>
+                  <a:schemeClr val="tx1"/>
+                </a:solidFill>
+              </a:rPr>
+              <a:t>Cloudy → Rain</a:t>
+            </a:r>
+            <a:endParaRPr lang="nl-NL" dirty="0">
+              <a:solidFill>
+                <a:schemeClr val="tx1"/>
+              </a:solidFill>
+            </a:endParaRPr>
+          </a:p>
+        </p:txBody>
+      </p:sp>
+      <p:cxnSp>
+        <p:nvCxnSpPr>
+          <p:cNvPr id="317" name="Straight Arrow Connector 316">
+            <a:extLst>
+              <a:ext uri="{FF2B5EF4-FFF2-40B4-BE49-F238E27FC236}">
+                <a16:creationId xmlns:a16="http://schemas.microsoft.com/office/drawing/2014/main" id="{0B1561D0-6D74-E8AE-AD0B-E50BBBE33E96}"/>
+              </a:ext>
+            </a:extLst>
+          </p:cNvPr>
+          <p:cNvCxnSpPr>
+            <a:cxnSpLocks/>
+          </p:cNvCxnSpPr>
+          <p:nvPr/>
+        </p:nvCxnSpPr>
+        <p:spPr>
+          <a:xfrm>
+            <a:off x="4429963" y="6290216"/>
+            <a:ext cx="350852" cy="213632"/>
+          </a:xfrm>
+          <a:prstGeom prst="straightConnector1">
+            <a:avLst/>
+          </a:prstGeom>
+          <a:ln w="76200">
+            <a:solidFill>
+              <a:schemeClr val="bg1">
+                <a:lumMod val="50000"/>
+              </a:schemeClr>
+            </a:solidFill>
+            <a:headEnd type="none" w="med" len="med"/>
+            <a:tailEnd type="triangle" w="med" len="med"/>
+          </a:ln>
+        </p:spPr>
+        <p:style>
+          <a:lnRef idx="1">
+            <a:schemeClr val="dk1"/>
+          </a:lnRef>
+          <a:fillRef idx="0">
+            <a:schemeClr val="dk1"/>
+          </a:fillRef>
+          <a:effectRef idx="0">
+            <a:schemeClr val="dk1"/>
+          </a:effectRef>
+          <a:fontRef idx="minor">
+            <a:schemeClr val="tx1"/>
+          </a:fontRef>
+        </p:style>
+      </p:cxnSp>
+      <p:sp>
+        <p:nvSpPr>
+          <p:cNvPr id="321" name="TextBox 320">
+            <a:extLst>
+              <a:ext uri="{FF2B5EF4-FFF2-40B4-BE49-F238E27FC236}">
+                <a16:creationId xmlns:a16="http://schemas.microsoft.com/office/drawing/2014/main" id="{1E2D0D1B-CEF7-06FF-F172-FB19CF5F3C94}"/>
+              </a:ext>
+            </a:extLst>
+          </p:cNvPr>
+          <p:cNvSpPr txBox="1"/>
+          <p:nvPr/>
+        </p:nvSpPr>
+        <p:spPr>
+          <a:xfrm>
+            <a:off x="2806613" y="5335852"/>
+            <a:ext cx="2057556" cy="338554"/>
+          </a:xfrm>
+          <a:prstGeom prst="rect">
+            <a:avLst/>
+          </a:prstGeom>
+          <a:noFill/>
+        </p:spPr>
+        <p:txBody>
+          <a:bodyPr wrap="square" rtlCol="0">
+            <a:spAutoFit/>
+          </a:bodyPr>
+          <a:lstStyle/>
+          <a:p>
+            <a:pPr algn="r" defTabSz="1097280">
+              <a:defRPr/>
+            </a:pPr>
+            <a:r>
+              <a:rPr lang="en-US" sz="1600" i="1" kern="0" dirty="0">
+                <a:solidFill>
+                  <a:prstClr val="black"/>
+                </a:solidFill>
+                <a:latin typeface="Calibri" panose="020F0502020204030204" pitchFamily="34" charset="0"/>
+                <a:ea typeface="Calibri" panose="020F0502020204030204" pitchFamily="34" charset="0"/>
+                <a:cs typeface="Calibri" panose="020F0502020204030204" pitchFamily="34" charset="0"/>
+              </a:rPr>
+              <a:t>Refine the knowledge</a:t>
+            </a:r>
+          </a:p>
+        </p:txBody>
+      </p:sp>
+      <p:sp>
+        <p:nvSpPr>
+          <p:cNvPr id="322" name="TextBox 321">
+            <a:extLst>
+              <a:ext uri="{FF2B5EF4-FFF2-40B4-BE49-F238E27FC236}">
+                <a16:creationId xmlns:a16="http://schemas.microsoft.com/office/drawing/2014/main" id="{400DA02C-D78A-0F31-B0B7-2303340EFEB2}"/>
+              </a:ext>
+            </a:extLst>
+          </p:cNvPr>
+          <p:cNvSpPr txBox="1"/>
+          <p:nvPr/>
+        </p:nvSpPr>
+        <p:spPr>
+          <a:xfrm>
+            <a:off x="5391879" y="5669996"/>
+            <a:ext cx="2302456" cy="830997"/>
+          </a:xfrm>
+          <a:prstGeom prst="rect">
+            <a:avLst/>
+          </a:prstGeom>
+          <a:noFill/>
+        </p:spPr>
+        <p:txBody>
+          <a:bodyPr wrap="square" rtlCol="0">
+            <a:spAutoFit/>
+          </a:bodyPr>
+          <a:lstStyle/>
+          <a:p>
+            <a:pPr algn="r" defTabSz="1097280">
+              <a:defRPr/>
+            </a:pPr>
+            <a:r>
+              <a:rPr lang="en-US" sz="1600" i="1" kern="0" dirty="0">
+                <a:solidFill>
+                  <a:prstClr val="black"/>
+                </a:solidFill>
+                <a:latin typeface="Calibri" panose="020F0502020204030204" pitchFamily="34" charset="0"/>
+                <a:ea typeface="Calibri" panose="020F0502020204030204" pitchFamily="34" charset="0"/>
+                <a:cs typeface="Calibri" panose="020F0502020204030204" pitchFamily="34" charset="0"/>
+              </a:rPr>
+              <a:t>Make simple one-to-one relationships and determine probabilities</a:t>
+            </a:r>
+          </a:p>
+        </p:txBody>
+      </p:sp>
+      <p:sp>
+        <p:nvSpPr>
+          <p:cNvPr id="325" name="TextBox 324">
+            <a:extLst>
+              <a:ext uri="{FF2B5EF4-FFF2-40B4-BE49-F238E27FC236}">
+                <a16:creationId xmlns:a16="http://schemas.microsoft.com/office/drawing/2014/main" id="{5929AADB-3A99-9C7F-3935-21A8A814D0F7}"/>
+              </a:ext>
+            </a:extLst>
+          </p:cNvPr>
+          <p:cNvSpPr txBox="1"/>
+          <p:nvPr/>
+        </p:nvSpPr>
+        <p:spPr>
+          <a:xfrm>
+            <a:off x="9868299" y="3413995"/>
+            <a:ext cx="3215482" cy="1077218"/>
+          </a:xfrm>
+          <a:prstGeom prst="rect">
+            <a:avLst/>
+          </a:prstGeom>
+          <a:noFill/>
+        </p:spPr>
+        <p:txBody>
+          <a:bodyPr wrap="square" rtlCol="0">
+            <a:spAutoFit/>
+          </a:bodyPr>
+          <a:lstStyle/>
+          <a:p>
+            <a:pPr algn="r"/>
+            <a:r>
+              <a:rPr lang="en-US" sz="3200" b="1" u="sng" dirty="0">
+                <a:effectLst>
+                  <a:outerShdw blurRad="38100" dist="38100" dir="2700000" algn="tl">
+                    <a:srgbClr val="000000">
+                      <a:alpha val="43137"/>
+                    </a:srgbClr>
+                  </a:outerShdw>
+                </a:effectLst>
+                <a:latin typeface="Calibri" panose="020F0502020204030204" pitchFamily="34" charset="0"/>
+                <a:ea typeface="Calibri" panose="020F0502020204030204" pitchFamily="34" charset="0"/>
+                <a:cs typeface="Calibri" panose="020F0502020204030204" pitchFamily="34" charset="0"/>
+              </a:rPr>
+              <a:t>Machine</a:t>
+            </a:r>
+          </a:p>
+          <a:p>
+            <a:pPr algn="r"/>
+            <a:r>
+              <a:rPr lang="en-US" sz="3200" b="1" u="sng" dirty="0">
+                <a:effectLst>
+                  <a:outerShdw blurRad="38100" dist="38100" dir="2700000" algn="tl">
+                    <a:srgbClr val="000000">
+                      <a:alpha val="43137"/>
+                    </a:srgbClr>
+                  </a:outerShdw>
+                </a:effectLst>
+                <a:latin typeface="Calibri" panose="020F0502020204030204" pitchFamily="34" charset="0"/>
+                <a:ea typeface="Calibri" panose="020F0502020204030204" pitchFamily="34" charset="0"/>
+                <a:cs typeface="Calibri" panose="020F0502020204030204" pitchFamily="34" charset="0"/>
+              </a:rPr>
+              <a:t>Representation</a:t>
+            </a:r>
+            <a:endParaRPr lang="nl-NL" sz="3200" b="1" u="sng" dirty="0">
+              <a:effectLst>
+                <a:outerShdw blurRad="38100" dist="38100" dir="2700000" algn="tl">
+                  <a:srgbClr val="000000">
+                    <a:alpha val="43137"/>
+                  </a:srgbClr>
+                </a:outerShdw>
+              </a:effectLst>
+              <a:latin typeface="Calibri" panose="020F0502020204030204" pitchFamily="34" charset="0"/>
+              <a:ea typeface="Calibri" panose="020F0502020204030204" pitchFamily="34" charset="0"/>
+              <a:cs typeface="Calibri" panose="020F0502020204030204" pitchFamily="34" charset="0"/>
+            </a:endParaRPr>
+          </a:p>
+        </p:txBody>
+      </p:sp>
+      <p:sp>
+        <p:nvSpPr>
+          <p:cNvPr id="327" name="Oval 326">
+            <a:extLst>
+              <a:ext uri="{FF2B5EF4-FFF2-40B4-BE49-F238E27FC236}">
+                <a16:creationId xmlns:a16="http://schemas.microsoft.com/office/drawing/2014/main" id="{C708BC01-C41F-D42C-C982-4EBF99731152}"/>
+              </a:ext>
+            </a:extLst>
+          </p:cNvPr>
+          <p:cNvSpPr/>
+          <p:nvPr/>
+        </p:nvSpPr>
+        <p:spPr>
+          <a:xfrm>
+            <a:off x="12118617" y="5000037"/>
+            <a:ext cx="1336262" cy="704239"/>
+          </a:xfrm>
+          <a:prstGeom prst="ellipse">
+            <a:avLst/>
+          </a:prstGeom>
+          <a:solidFill>
+            <a:schemeClr val="bg1">
+              <a:lumMod val="95000"/>
+            </a:schemeClr>
+          </a:solidFill>
+          <a:ln>
+            <a:solidFill>
+              <a:schemeClr val="tx2">
+                <a:lumMod val="90000"/>
+                <a:lumOff val="10000"/>
+              </a:schemeClr>
+            </a:solidFill>
+          </a:ln>
+        </p:spPr>
+        <p:style>
+          <a:lnRef idx="2">
+            <a:schemeClr val="accent1">
+              <a:shade val="15000"/>
+            </a:schemeClr>
+          </a:lnRef>
+          <a:fillRef idx="1">
+            <a:schemeClr val="accent1"/>
+          </a:fillRef>
+          <a:effectRef idx="0">
+            <a:schemeClr val="accent1"/>
+          </a:effectRef>
+          <a:fontRef idx="minor">
+            <a:schemeClr val="lt1"/>
+          </a:fontRef>
+        </p:style>
+        <p:txBody>
+          <a:bodyPr rtlCol="0" anchor="ctr"/>
+          <a:lstStyle/>
+          <a:p>
+            <a:pPr algn="ctr"/>
+            <a:r>
+              <a:rPr lang="en-GB" dirty="0">
+                <a:solidFill>
+                  <a:schemeClr val="tx1"/>
+                </a:solidFill>
+              </a:rPr>
+              <a:t>Cloudy</a:t>
+            </a:r>
+            <a:endParaRPr lang="en-NL" dirty="0">
+              <a:solidFill>
+                <a:schemeClr val="tx1"/>
+              </a:solidFill>
+            </a:endParaRPr>
+          </a:p>
+        </p:txBody>
+      </p:sp>
+      <p:cxnSp>
+        <p:nvCxnSpPr>
+          <p:cNvPr id="329" name="Straight Arrow Connector 328">
+            <a:extLst>
+              <a:ext uri="{FF2B5EF4-FFF2-40B4-BE49-F238E27FC236}">
+                <a16:creationId xmlns:a16="http://schemas.microsoft.com/office/drawing/2014/main" id="{1D054D5D-5BE1-1BBA-53A1-EA9D30735D2D}"/>
+              </a:ext>
+            </a:extLst>
+          </p:cNvPr>
+          <p:cNvCxnSpPr>
+            <a:cxnSpLocks/>
+            <a:stCxn id="292" idx="4"/>
+            <a:endCxn id="293" idx="1"/>
+          </p:cNvCxnSpPr>
+          <p:nvPr/>
+        </p:nvCxnSpPr>
+        <p:spPr>
+          <a:xfrm>
+            <a:off x="11449103" y="5342649"/>
+            <a:ext cx="79968" cy="607470"/>
+          </a:xfrm>
+          <a:prstGeom prst="straightConnector1">
+            <a:avLst/>
+          </a:prstGeom>
+          <a:ln>
+            <a:tailEnd type="triangle"/>
+          </a:ln>
+        </p:spPr>
+        <p:style>
+          <a:lnRef idx="3">
+            <a:schemeClr val="dk1"/>
+          </a:lnRef>
+          <a:fillRef idx="0">
+            <a:schemeClr val="dk1"/>
+          </a:fillRef>
+          <a:effectRef idx="2">
+            <a:schemeClr val="dk1"/>
+          </a:effectRef>
+          <a:fontRef idx="minor">
+            <a:schemeClr val="tx1"/>
+          </a:fontRef>
+        </p:style>
+      </p:cxnSp>
+      <p:cxnSp>
+        <p:nvCxnSpPr>
+          <p:cNvPr id="333" name="Straight Arrow Connector 332">
+            <a:extLst>
+              <a:ext uri="{FF2B5EF4-FFF2-40B4-BE49-F238E27FC236}">
+                <a16:creationId xmlns:a16="http://schemas.microsoft.com/office/drawing/2014/main" id="{26039616-FE29-6729-339A-E48DD1B12393}"/>
+              </a:ext>
+            </a:extLst>
+          </p:cNvPr>
+          <p:cNvCxnSpPr>
+            <a:cxnSpLocks/>
+            <a:stCxn id="327" idx="3"/>
+          </p:cNvCxnSpPr>
+          <p:nvPr/>
+        </p:nvCxnSpPr>
+        <p:spPr>
+          <a:xfrm flipH="1">
+            <a:off x="12167115" y="5601143"/>
+            <a:ext cx="147193" cy="256139"/>
+          </a:xfrm>
+          <a:prstGeom prst="straightConnector1">
+            <a:avLst/>
+          </a:prstGeom>
+          <a:ln>
+            <a:tailEnd type="triangle"/>
+          </a:ln>
+        </p:spPr>
+        <p:style>
+          <a:lnRef idx="3">
+            <a:schemeClr val="dk1"/>
+          </a:lnRef>
+          <a:fillRef idx="0">
+            <a:schemeClr val="dk1"/>
+          </a:fillRef>
+          <a:effectRef idx="2">
+            <a:schemeClr val="dk1"/>
+          </a:effectRef>
+          <a:fontRef idx="minor">
+            <a:schemeClr val="tx1"/>
+          </a:fontRef>
+        </p:style>
+      </p:cxnSp>
+      <p:sp>
+        <p:nvSpPr>
+          <p:cNvPr id="335" name="TextBox 334">
+            <a:extLst>
+              <a:ext uri="{FF2B5EF4-FFF2-40B4-BE49-F238E27FC236}">
+                <a16:creationId xmlns:a16="http://schemas.microsoft.com/office/drawing/2014/main" id="{BA960EBE-3238-78EB-B41B-D59308EF1897}"/>
+              </a:ext>
+            </a:extLst>
+          </p:cNvPr>
+          <p:cNvSpPr txBox="1"/>
+          <p:nvPr/>
+        </p:nvSpPr>
+        <p:spPr>
+          <a:xfrm>
+            <a:off x="8884173" y="4498623"/>
+            <a:ext cx="2057556" cy="584775"/>
+          </a:xfrm>
+          <a:prstGeom prst="rect">
+            <a:avLst/>
+          </a:prstGeom>
+          <a:noFill/>
+        </p:spPr>
+        <p:txBody>
+          <a:bodyPr wrap="square" rtlCol="0">
+            <a:spAutoFit/>
+          </a:bodyPr>
+          <a:lstStyle/>
+          <a:p>
+            <a:pPr algn="r" defTabSz="1097280">
+              <a:defRPr/>
+            </a:pPr>
+            <a:r>
+              <a:rPr lang="en-US" sz="1600" i="1" kern="0" dirty="0">
+                <a:solidFill>
+                  <a:prstClr val="black"/>
+                </a:solidFill>
+                <a:latin typeface="Calibri" panose="020F0502020204030204" pitchFamily="34" charset="0"/>
+                <a:ea typeface="Calibri" panose="020F0502020204030204" pitchFamily="34" charset="0"/>
+                <a:cs typeface="Calibri" panose="020F0502020204030204" pitchFamily="34" charset="0"/>
+              </a:rPr>
+              <a:t>Create CPTs and setup Directed Acyclic Graph</a:t>
+            </a:r>
+          </a:p>
+        </p:txBody>
+      </p:sp>
+    </p:spTree>
+    <p:extLst>
+      <p:ext uri="{BB962C8B-B14F-4D97-AF65-F5344CB8AC3E}">
+        <p14:creationId xmlns:p14="http://schemas.microsoft.com/office/powerpoint/2010/main" val="3424050282"/>
+      </p:ext>
+    </p:extLst>
+  </p:cSld>
+  <p:clrMapOvr>
+    <a:masterClrMapping/>
+  </p:clrMapOvr>
+</p:sld>
+</file>
+
+<file path=ppt/slides/slide4.xml><?xml version="1.0" encoding="utf-8"?>
+<p:sld xmlns:a="http://schemas.openxmlformats.org/drawingml/2006/main" xmlns:r="http://schemas.openxmlformats.org/officeDocument/2006/relationships" xmlns:p="http://schemas.openxmlformats.org/presentationml/2006/main">
+  <p:cSld>
+    <p:spTree>
+      <p:nvGrpSpPr>
         <p:cNvPr id="1" name=""/>
         <p:cNvGrpSpPr/>
         <p:nvPr/>
@@ -13249,7 +16274,7 @@
 </p:sld>
 </file>
 
-<file path=ppt/slides/slide4.xml><?xml version="1.0" encoding="utf-8"?>
+<file path=ppt/slides/slide5.xml><?xml version="1.0" encoding="utf-8"?>
 <p:sld xmlns:a="http://schemas.openxmlformats.org/drawingml/2006/main" xmlns:r="http://schemas.openxmlformats.org/officeDocument/2006/relationships" xmlns:p="http://schemas.openxmlformats.org/presentationml/2006/main">
   <p:cSld>
     <p:spTree>
@@ -13280,7 +16305,7 @@
         </p:nvSpPr>
         <p:spPr>
           <a:xfrm>
-            <a:off x="2588241" y="4459531"/>
+            <a:off x="2578615" y="1831834"/>
             <a:ext cx="2403272" cy="1450514"/>
           </a:xfrm>
           <a:prstGeom prst="ellipse">
@@ -13347,7 +16372,7 @@
         </p:nvSpPr>
         <p:spPr>
           <a:xfrm>
-            <a:off x="5576658" y="4459531"/>
+            <a:off x="5567032" y="1831834"/>
             <a:ext cx="2403272" cy="1450514"/>
           </a:xfrm>
           <a:prstGeom prst="ellipse">
@@ -13414,7 +16439,7 @@
         </p:nvSpPr>
         <p:spPr>
           <a:xfrm>
-            <a:off x="8565076" y="4459531"/>
+            <a:off x="8555450" y="1831834"/>
             <a:ext cx="2403272" cy="1450514"/>
           </a:xfrm>
           <a:prstGeom prst="ellipse">
@@ -13480,7 +16505,7 @@
         </p:nvSpPr>
         <p:spPr>
           <a:xfrm>
-            <a:off x="11553493" y="4459531"/>
+            <a:off x="11543867" y="1831834"/>
             <a:ext cx="2403272" cy="1450514"/>
           </a:xfrm>
           <a:prstGeom prst="ellipse">
@@ -13547,7 +16572,7 @@
         </p:nvSpPr>
         <p:spPr>
           <a:xfrm>
-            <a:off x="4315970" y="3422562"/>
+            <a:off x="4306344" y="794865"/>
             <a:ext cx="9873152" cy="590162"/>
           </a:xfrm>
           <a:prstGeom prst="rect">
@@ -13585,7 +16610,7 @@
         </p:nvCxnSpPr>
         <p:spPr>
           <a:xfrm flipH="1">
-            <a:off x="3057118" y="5910046"/>
+            <a:off x="3047492" y="3282349"/>
             <a:ext cx="433304" cy="530158"/>
           </a:xfrm>
           <a:prstGeom prst="straightConnector1">
@@ -13632,7 +16657,7 @@
         </p:nvCxnSpPr>
         <p:spPr>
           <a:xfrm>
-            <a:off x="4094291" y="5910046"/>
+            <a:off x="4084665" y="3282349"/>
             <a:ext cx="443354" cy="530158"/>
           </a:xfrm>
           <a:prstGeom prst="straightConnector1">
@@ -13677,7 +16702,7 @@
         </p:nvSpPr>
         <p:spPr>
           <a:xfrm>
-            <a:off x="2511473" y="6401738"/>
+            <a:off x="2501847" y="3774041"/>
             <a:ext cx="691984" cy="402546"/>
           </a:xfrm>
           <a:prstGeom prst="rect">
@@ -13713,7 +16738,7 @@
         </p:nvSpPr>
         <p:spPr>
           <a:xfrm>
-            <a:off x="4226437" y="6444402"/>
+            <a:off x="4216811" y="3816705"/>
             <a:ext cx="631583" cy="402546"/>
           </a:xfrm>
           <a:prstGeom prst="rect">
@@ -13751,7 +16776,7 @@
         </p:nvCxnSpPr>
         <p:spPr>
           <a:xfrm flipH="1">
-            <a:off x="5962013" y="5952208"/>
+            <a:off x="5952387" y="3324511"/>
             <a:ext cx="433304" cy="530158"/>
           </a:xfrm>
           <a:prstGeom prst="straightConnector1">
@@ -13798,7 +16823,7 @@
         </p:nvCxnSpPr>
         <p:spPr>
           <a:xfrm>
-            <a:off x="6999187" y="5952208"/>
+            <a:off x="6989561" y="3324511"/>
             <a:ext cx="443354" cy="530158"/>
           </a:xfrm>
           <a:prstGeom prst="straightConnector1">
@@ -13843,7 +16868,7 @@
         </p:nvSpPr>
         <p:spPr>
           <a:xfrm>
-            <a:off x="5473615" y="6443902"/>
+            <a:off x="5463989" y="3816205"/>
             <a:ext cx="691984" cy="402546"/>
           </a:xfrm>
           <a:prstGeom prst="rect">
@@ -13879,7 +16904,7 @@
         </p:nvSpPr>
         <p:spPr>
           <a:xfrm>
-            <a:off x="7188582" y="6486565"/>
+            <a:off x="7178956" y="3858868"/>
             <a:ext cx="631583" cy="402546"/>
           </a:xfrm>
           <a:prstGeom prst="rect">
@@ -13917,7 +16942,7 @@
         </p:nvCxnSpPr>
         <p:spPr>
           <a:xfrm flipH="1">
-            <a:off x="9127305" y="5952208"/>
+            <a:off x="9117679" y="3324511"/>
             <a:ext cx="433304" cy="530158"/>
           </a:xfrm>
           <a:prstGeom prst="straightConnector1">
@@ -13964,7 +16989,7 @@
         </p:nvCxnSpPr>
         <p:spPr>
           <a:xfrm>
-            <a:off x="10164477" y="5952208"/>
+            <a:off x="10154851" y="3324511"/>
             <a:ext cx="443354" cy="530158"/>
           </a:xfrm>
           <a:prstGeom prst="straightConnector1">
@@ -14009,7 +17034,7 @@
         </p:nvSpPr>
         <p:spPr>
           <a:xfrm>
-            <a:off x="8730509" y="6443902"/>
+            <a:off x="8720883" y="3816205"/>
             <a:ext cx="691984" cy="402546"/>
           </a:xfrm>
           <a:prstGeom prst="rect">
@@ -14045,7 +17070,7 @@
         </p:nvSpPr>
         <p:spPr>
           <a:xfrm>
-            <a:off x="10445475" y="6486565"/>
+            <a:off x="10435849" y="3858868"/>
             <a:ext cx="631583" cy="402546"/>
           </a:xfrm>
           <a:prstGeom prst="rect">
@@ -14083,7 +17108,7 @@
         </p:nvCxnSpPr>
         <p:spPr>
           <a:xfrm flipH="1">
-            <a:off x="11952899" y="5952208"/>
+            <a:off x="11943273" y="3324511"/>
             <a:ext cx="433304" cy="530158"/>
           </a:xfrm>
           <a:prstGeom prst="straightConnector1">
@@ -14130,7 +17155,7 @@
         </p:nvCxnSpPr>
         <p:spPr>
           <a:xfrm>
-            <a:off x="12990072" y="5952208"/>
+            <a:off x="12980446" y="3324511"/>
             <a:ext cx="443354" cy="530158"/>
           </a:xfrm>
           <a:prstGeom prst="straightConnector1">
@@ -14175,7 +17200,7 @@
         </p:nvSpPr>
         <p:spPr>
           <a:xfrm>
-            <a:off x="11556103" y="6443902"/>
+            <a:off x="11546477" y="3816205"/>
             <a:ext cx="691984" cy="402546"/>
           </a:xfrm>
           <a:prstGeom prst="rect">
@@ -14211,7 +17236,7 @@
         </p:nvSpPr>
         <p:spPr>
           <a:xfrm>
-            <a:off x="13271070" y="6486565"/>
+            <a:off x="13261444" y="3858868"/>
             <a:ext cx="631583" cy="402546"/>
           </a:xfrm>
           <a:prstGeom prst="rect">
@@ -14246,7 +17271,1307 @@
 </p:sld>
 </file>
 
-<file path=ppt/slides/slide5.xml><?xml version="1.0" encoding="utf-8"?>
+<file path=ppt/slides/slide6.xml><?xml version="1.0" encoding="utf-8"?>
+<p:sld xmlns:a="http://schemas.openxmlformats.org/drawingml/2006/main" xmlns:r="http://schemas.openxmlformats.org/officeDocument/2006/relationships" xmlns:p="http://schemas.openxmlformats.org/presentationml/2006/main">
+  <p:cSld>
+    <p:spTree>
+      <p:nvGrpSpPr>
+        <p:cNvPr id="1" name="">
+          <a:extLst>
+            <a:ext uri="{FF2B5EF4-FFF2-40B4-BE49-F238E27FC236}">
+              <a16:creationId xmlns:a16="http://schemas.microsoft.com/office/drawing/2014/main" id="{06472DFC-1DD2-022A-DD69-B6C4EFD0A761}"/>
+            </a:ext>
+          </a:extLst>
+        </p:cNvPr>
+        <p:cNvGrpSpPr/>
+        <p:nvPr/>
+      </p:nvGrpSpPr>
+      <p:grpSpPr>
+        <a:xfrm>
+          <a:off x="0" y="0"/>
+          <a:ext cx="0" cy="0"/>
+          <a:chOff x="0" y="0"/>
+          <a:chExt cx="0" cy="0"/>
+        </a:xfrm>
+      </p:grpSpPr>
+      <p:pic>
+        <p:nvPicPr>
+          <p:cNvPr id="4" name="Picture 3">
+            <a:extLst>
+              <a:ext uri="{FF2B5EF4-FFF2-40B4-BE49-F238E27FC236}">
+                <a16:creationId xmlns:a16="http://schemas.microsoft.com/office/drawing/2014/main" id="{D40C6560-3F8D-EBDE-DA13-6EAD2A5BBD1C}"/>
+              </a:ext>
+            </a:extLst>
+          </p:cNvPr>
+          <p:cNvPicPr>
+            <a:picLocks noChangeAspect="1"/>
+          </p:cNvPicPr>
+          <p:nvPr/>
+        </p:nvPicPr>
+        <p:blipFill>
+          <a:blip r:embed="rId2"/>
+          <a:stretch>
+            <a:fillRect/>
+          </a:stretch>
+        </p:blipFill>
+        <p:spPr>
+          <a:xfrm>
+            <a:off x="4670007" y="8374730"/>
+            <a:ext cx="5848651" cy="1981302"/>
+          </a:xfrm>
+          <a:prstGeom prst="rect">
+            <a:avLst/>
+          </a:prstGeom>
+        </p:spPr>
+      </p:pic>
+      <p:sp>
+        <p:nvSpPr>
+          <p:cNvPr id="82" name="Rectangle: Rounded Corners 81">
+            <a:extLst>
+              <a:ext uri="{FF2B5EF4-FFF2-40B4-BE49-F238E27FC236}">
+                <a16:creationId xmlns:a16="http://schemas.microsoft.com/office/drawing/2014/main" id="{AFF96C4B-3B5A-D844-6CD3-F5F642B17759}"/>
+              </a:ext>
+            </a:extLst>
+          </p:cNvPr>
+          <p:cNvSpPr/>
+          <p:nvPr/>
+        </p:nvSpPr>
+        <p:spPr>
+          <a:xfrm>
+            <a:off x="3445844" y="3344333"/>
+            <a:ext cx="3317420" cy="2525574"/>
+          </a:xfrm>
+          <a:prstGeom prst="roundRect">
+            <a:avLst>
+              <a:gd name="adj" fmla="val 6482"/>
+            </a:avLst>
+          </a:prstGeom>
+          <a:solidFill>
+            <a:schemeClr val="bg1">
+              <a:lumMod val="95000"/>
+            </a:schemeClr>
+          </a:solidFill>
+        </p:spPr>
+        <p:style>
+          <a:lnRef idx="2">
+            <a:schemeClr val="accent1">
+              <a:shade val="15000"/>
+            </a:schemeClr>
+          </a:lnRef>
+          <a:fillRef idx="1">
+            <a:schemeClr val="accent1"/>
+          </a:fillRef>
+          <a:effectRef idx="0">
+            <a:schemeClr val="accent1"/>
+          </a:effectRef>
+          <a:fontRef idx="minor">
+            <a:schemeClr val="lt1"/>
+          </a:fontRef>
+        </p:style>
+        <p:txBody>
+          <a:bodyPr rtlCol="0" anchor="ctr"/>
+          <a:lstStyle/>
+          <a:p>
+            <a:pPr algn="ctr"/>
+            <a:endParaRPr lang="en-NL"/>
+          </a:p>
+        </p:txBody>
+      </p:sp>
+      <p:cxnSp>
+        <p:nvCxnSpPr>
+          <p:cNvPr id="83" name="Straight Arrow Connector 82">
+            <a:extLst>
+              <a:ext uri="{FF2B5EF4-FFF2-40B4-BE49-F238E27FC236}">
+                <a16:creationId xmlns:a16="http://schemas.microsoft.com/office/drawing/2014/main" id="{E0792813-99A0-C380-541D-67AC267B8D5A}"/>
+              </a:ext>
+            </a:extLst>
+          </p:cNvPr>
+          <p:cNvCxnSpPr>
+            <a:cxnSpLocks/>
+            <a:stCxn id="82" idx="3"/>
+            <a:endCxn id="113" idx="1"/>
+          </p:cNvCxnSpPr>
+          <p:nvPr/>
+        </p:nvCxnSpPr>
+        <p:spPr>
+          <a:xfrm flipV="1">
+            <a:off x="6763264" y="4596745"/>
+            <a:ext cx="2324345" cy="0"/>
+          </a:xfrm>
+          <a:prstGeom prst="straightConnector1">
+            <a:avLst/>
+          </a:prstGeom>
+          <a:ln>
+            <a:tailEnd type="triangle" w="lg" len="lg"/>
+          </a:ln>
+        </p:spPr>
+        <p:style>
+          <a:lnRef idx="2">
+            <a:schemeClr val="dk1"/>
+          </a:lnRef>
+          <a:fillRef idx="0">
+            <a:schemeClr val="dk1"/>
+          </a:fillRef>
+          <a:effectRef idx="1">
+            <a:schemeClr val="dk1"/>
+          </a:effectRef>
+          <a:fontRef idx="minor">
+            <a:schemeClr val="tx1"/>
+          </a:fontRef>
+        </p:style>
+      </p:cxnSp>
+      <p:sp>
+        <p:nvSpPr>
+          <p:cNvPr id="84" name="TextBox 83">
+            <a:extLst>
+              <a:ext uri="{FF2B5EF4-FFF2-40B4-BE49-F238E27FC236}">
+                <a16:creationId xmlns:a16="http://schemas.microsoft.com/office/drawing/2014/main" id="{81B8757B-051C-5388-E592-502EF0E3C563}"/>
+              </a:ext>
+            </a:extLst>
+          </p:cNvPr>
+          <p:cNvSpPr txBox="1"/>
+          <p:nvPr/>
+        </p:nvSpPr>
+        <p:spPr>
+          <a:xfrm>
+            <a:off x="7555280" y="4212772"/>
+            <a:ext cx="1375761" cy="369332"/>
+          </a:xfrm>
+          <a:prstGeom prst="rect">
+            <a:avLst/>
+          </a:prstGeom>
+          <a:noFill/>
+        </p:spPr>
+        <p:txBody>
+          <a:bodyPr wrap="none" rtlCol="0">
+            <a:spAutoFit/>
+          </a:bodyPr>
+          <a:lstStyle/>
+          <a:p>
+            <a:r>
+              <a:rPr lang="en-GB" dirty="0"/>
+              <a:t>intervention</a:t>
+            </a:r>
+            <a:endParaRPr lang="en-NL" dirty="0"/>
+          </a:p>
+        </p:txBody>
+      </p:sp>
+      <p:sp>
+        <p:nvSpPr>
+          <p:cNvPr id="85" name="Oval 84">
+            <a:extLst>
+              <a:ext uri="{FF2B5EF4-FFF2-40B4-BE49-F238E27FC236}">
+                <a16:creationId xmlns:a16="http://schemas.microsoft.com/office/drawing/2014/main" id="{1D4B3A9E-A4C6-051D-B667-C6884E7ABD3D}"/>
+              </a:ext>
+            </a:extLst>
+          </p:cNvPr>
+          <p:cNvSpPr/>
+          <p:nvPr/>
+        </p:nvSpPr>
+        <p:spPr>
+          <a:xfrm>
+            <a:off x="4188943" y="4494708"/>
+            <a:ext cx="468000" cy="468085"/>
+          </a:xfrm>
+          <a:prstGeom prst="ellipse">
+            <a:avLst/>
+          </a:prstGeom>
+          <a:solidFill>
+            <a:schemeClr val="bg1"/>
+          </a:solidFill>
+        </p:spPr>
+        <p:style>
+          <a:lnRef idx="2">
+            <a:schemeClr val="accent1">
+              <a:shade val="15000"/>
+            </a:schemeClr>
+          </a:lnRef>
+          <a:fillRef idx="1">
+            <a:schemeClr val="accent1"/>
+          </a:fillRef>
+          <a:effectRef idx="0">
+            <a:schemeClr val="accent1"/>
+          </a:effectRef>
+          <a:fontRef idx="minor">
+            <a:schemeClr val="lt1"/>
+          </a:fontRef>
+        </p:style>
+        <p:txBody>
+          <a:bodyPr rtlCol="0" anchor="ctr"/>
+          <a:lstStyle/>
+          <a:p>
+            <a:pPr algn="ctr"/>
+            <a:endParaRPr lang="en-NL"/>
+          </a:p>
+        </p:txBody>
+      </p:sp>
+      <p:sp>
+        <p:nvSpPr>
+          <p:cNvPr id="86" name="Oval 85">
+            <a:extLst>
+              <a:ext uri="{FF2B5EF4-FFF2-40B4-BE49-F238E27FC236}">
+                <a16:creationId xmlns:a16="http://schemas.microsoft.com/office/drawing/2014/main" id="{8AC6BA5E-4565-4DE8-E9D0-7334570D0ECD}"/>
+              </a:ext>
+            </a:extLst>
+          </p:cNvPr>
+          <p:cNvSpPr/>
+          <p:nvPr/>
+        </p:nvSpPr>
+        <p:spPr>
+          <a:xfrm>
+            <a:off x="5426919" y="4494708"/>
+            <a:ext cx="468000" cy="468085"/>
+          </a:xfrm>
+          <a:prstGeom prst="ellipse">
+            <a:avLst/>
+          </a:prstGeom>
+          <a:solidFill>
+            <a:schemeClr val="bg1"/>
+          </a:solidFill>
+        </p:spPr>
+        <p:style>
+          <a:lnRef idx="2">
+            <a:schemeClr val="accent1">
+              <a:shade val="15000"/>
+            </a:schemeClr>
+          </a:lnRef>
+          <a:fillRef idx="1">
+            <a:schemeClr val="accent1"/>
+          </a:fillRef>
+          <a:effectRef idx="0">
+            <a:schemeClr val="accent1"/>
+          </a:effectRef>
+          <a:fontRef idx="minor">
+            <a:schemeClr val="lt1"/>
+          </a:fontRef>
+        </p:style>
+        <p:txBody>
+          <a:bodyPr rtlCol="0" anchor="ctr"/>
+          <a:lstStyle/>
+          <a:p>
+            <a:pPr algn="ctr"/>
+            <a:endParaRPr lang="en-NL"/>
+          </a:p>
+        </p:txBody>
+      </p:sp>
+      <p:sp>
+        <p:nvSpPr>
+          <p:cNvPr id="87" name="Oval 86">
+            <a:extLst>
+              <a:ext uri="{FF2B5EF4-FFF2-40B4-BE49-F238E27FC236}">
+                <a16:creationId xmlns:a16="http://schemas.microsoft.com/office/drawing/2014/main" id="{0D4129D6-7754-A8E6-C00E-77FC3C894D11}"/>
+              </a:ext>
+            </a:extLst>
+          </p:cNvPr>
+          <p:cNvSpPr/>
+          <p:nvPr/>
+        </p:nvSpPr>
+        <p:spPr>
+          <a:xfrm>
+            <a:off x="4783935" y="5094625"/>
+            <a:ext cx="468000" cy="468085"/>
+          </a:xfrm>
+          <a:prstGeom prst="ellipse">
+            <a:avLst/>
+          </a:prstGeom>
+          <a:solidFill>
+            <a:schemeClr val="bg1"/>
+          </a:solidFill>
+        </p:spPr>
+        <p:style>
+          <a:lnRef idx="2">
+            <a:schemeClr val="accent1">
+              <a:shade val="15000"/>
+            </a:schemeClr>
+          </a:lnRef>
+          <a:fillRef idx="1">
+            <a:schemeClr val="accent1"/>
+          </a:fillRef>
+          <a:effectRef idx="0">
+            <a:schemeClr val="accent1"/>
+          </a:effectRef>
+          <a:fontRef idx="minor">
+            <a:schemeClr val="lt1"/>
+          </a:fontRef>
+        </p:style>
+        <p:txBody>
+          <a:bodyPr rtlCol="0" anchor="ctr"/>
+          <a:lstStyle/>
+          <a:p>
+            <a:pPr algn="ctr"/>
+            <a:endParaRPr lang="en-NL"/>
+          </a:p>
+        </p:txBody>
+      </p:sp>
+      <p:cxnSp>
+        <p:nvCxnSpPr>
+          <p:cNvPr id="88" name="Straight Arrow Connector 87">
+            <a:extLst>
+              <a:ext uri="{FF2B5EF4-FFF2-40B4-BE49-F238E27FC236}">
+                <a16:creationId xmlns:a16="http://schemas.microsoft.com/office/drawing/2014/main" id="{985693B1-54A2-9CE3-8BC2-B7D3D32660A6}"/>
+              </a:ext>
+            </a:extLst>
+          </p:cNvPr>
+          <p:cNvCxnSpPr>
+            <a:cxnSpLocks/>
+          </p:cNvCxnSpPr>
+          <p:nvPr/>
+        </p:nvCxnSpPr>
+        <p:spPr>
+          <a:xfrm>
+            <a:off x="4652230" y="4908944"/>
+            <a:ext cx="193709" cy="235645"/>
+          </a:xfrm>
+          <a:prstGeom prst="straightConnector1">
+            <a:avLst/>
+          </a:prstGeom>
+          <a:ln>
+            <a:tailEnd type="triangle"/>
+          </a:ln>
+        </p:spPr>
+        <p:style>
+          <a:lnRef idx="2">
+            <a:schemeClr val="dk1"/>
+          </a:lnRef>
+          <a:fillRef idx="0">
+            <a:schemeClr val="dk1"/>
+          </a:fillRef>
+          <a:effectRef idx="1">
+            <a:schemeClr val="dk1"/>
+          </a:effectRef>
+          <a:fontRef idx="minor">
+            <a:schemeClr val="tx1"/>
+          </a:fontRef>
+        </p:style>
+      </p:cxnSp>
+      <p:cxnSp>
+        <p:nvCxnSpPr>
+          <p:cNvPr id="89" name="Straight Arrow Connector 88">
+            <a:extLst>
+              <a:ext uri="{FF2B5EF4-FFF2-40B4-BE49-F238E27FC236}">
+                <a16:creationId xmlns:a16="http://schemas.microsoft.com/office/drawing/2014/main" id="{E5BCFC3F-9448-714E-52ED-6A8AC488EAE2}"/>
+              </a:ext>
+            </a:extLst>
+          </p:cNvPr>
+          <p:cNvCxnSpPr>
+            <a:cxnSpLocks/>
+          </p:cNvCxnSpPr>
+          <p:nvPr/>
+        </p:nvCxnSpPr>
+        <p:spPr>
+          <a:xfrm flipH="1">
+            <a:off x="5232201" y="4907563"/>
+            <a:ext cx="218386" cy="254460"/>
+          </a:xfrm>
+          <a:prstGeom prst="straightConnector1">
+            <a:avLst/>
+          </a:prstGeom>
+          <a:ln>
+            <a:tailEnd type="triangle"/>
+          </a:ln>
+        </p:spPr>
+        <p:style>
+          <a:lnRef idx="2">
+            <a:schemeClr val="dk1"/>
+          </a:lnRef>
+          <a:fillRef idx="0">
+            <a:schemeClr val="dk1"/>
+          </a:fillRef>
+          <a:effectRef idx="1">
+            <a:schemeClr val="dk1"/>
+          </a:effectRef>
+          <a:fontRef idx="minor">
+            <a:schemeClr val="tx1"/>
+          </a:fontRef>
+        </p:style>
+      </p:cxnSp>
+      <p:sp>
+        <p:nvSpPr>
+          <p:cNvPr id="90" name="TextBox 89">
+            <a:extLst>
+              <a:ext uri="{FF2B5EF4-FFF2-40B4-BE49-F238E27FC236}">
+                <a16:creationId xmlns:a16="http://schemas.microsoft.com/office/drawing/2014/main" id="{E8D06929-CBC6-30F8-610B-37CB86602555}"/>
+              </a:ext>
+            </a:extLst>
+          </p:cNvPr>
+          <p:cNvSpPr txBox="1"/>
+          <p:nvPr/>
+        </p:nvSpPr>
+        <p:spPr>
+          <a:xfrm>
+            <a:off x="4422943" y="2909186"/>
+            <a:ext cx="1572866" cy="369332"/>
+          </a:xfrm>
+          <a:prstGeom prst="rect">
+            <a:avLst/>
+          </a:prstGeom>
+          <a:noFill/>
+        </p:spPr>
+        <p:txBody>
+          <a:bodyPr wrap="none" rtlCol="0">
+            <a:spAutoFit/>
+          </a:bodyPr>
+          <a:lstStyle/>
+          <a:p>
+            <a:r>
+              <a:rPr lang="en-GB" dirty="0"/>
+              <a:t>Causal model</a:t>
+            </a:r>
+            <a:endParaRPr lang="en-NL" dirty="0"/>
+          </a:p>
+        </p:txBody>
+      </p:sp>
+      <p:sp>
+        <p:nvSpPr>
+          <p:cNvPr id="91" name="TextBox 90">
+            <a:extLst>
+              <a:ext uri="{FF2B5EF4-FFF2-40B4-BE49-F238E27FC236}">
+                <a16:creationId xmlns:a16="http://schemas.microsoft.com/office/drawing/2014/main" id="{D0E87A97-7400-91EA-8EA1-ABF3E9F3A79B}"/>
+              </a:ext>
+            </a:extLst>
+          </p:cNvPr>
+          <p:cNvSpPr txBox="1"/>
+          <p:nvPr/>
+        </p:nvSpPr>
+        <p:spPr>
+          <a:xfrm>
+            <a:off x="9963176" y="2561530"/>
+            <a:ext cx="1572866" cy="646331"/>
+          </a:xfrm>
+          <a:prstGeom prst="rect">
+            <a:avLst/>
+          </a:prstGeom>
+          <a:noFill/>
+        </p:spPr>
+        <p:txBody>
+          <a:bodyPr wrap="none" rtlCol="0">
+            <a:spAutoFit/>
+          </a:bodyPr>
+          <a:lstStyle/>
+          <a:p>
+            <a:pPr algn="ctr"/>
+            <a:r>
+              <a:rPr lang="en-GB" dirty="0" err="1"/>
+              <a:t>Multilated</a:t>
+            </a:r>
+            <a:r>
+              <a:rPr lang="en-GB" dirty="0"/>
+              <a:t> </a:t>
+            </a:r>
+          </a:p>
+          <a:p>
+            <a:pPr algn="ctr"/>
+            <a:r>
+              <a:rPr lang="en-GB" dirty="0"/>
+              <a:t>Causal model</a:t>
+            </a:r>
+            <a:endParaRPr lang="en-NL" dirty="0"/>
+          </a:p>
+        </p:txBody>
+      </p:sp>
+      <p:sp>
+        <p:nvSpPr>
+          <p:cNvPr id="92" name="TextBox 91">
+            <a:extLst>
+              <a:ext uri="{FF2B5EF4-FFF2-40B4-BE49-F238E27FC236}">
+                <a16:creationId xmlns:a16="http://schemas.microsoft.com/office/drawing/2014/main" id="{7755661A-7247-0FFE-0CE2-466A51554838}"/>
+              </a:ext>
+            </a:extLst>
+          </p:cNvPr>
+          <p:cNvSpPr txBox="1"/>
+          <p:nvPr/>
+        </p:nvSpPr>
+        <p:spPr>
+          <a:xfrm>
+            <a:off x="3485248" y="4116308"/>
+            <a:ext cx="1195968" cy="369332"/>
+          </a:xfrm>
+          <a:prstGeom prst="rect">
+            <a:avLst/>
+          </a:prstGeom>
+          <a:noFill/>
+        </p:spPr>
+        <p:txBody>
+          <a:bodyPr wrap="none" rtlCol="0">
+            <a:spAutoFit/>
+          </a:bodyPr>
+          <a:lstStyle/>
+          <a:p>
+            <a:r>
+              <a:rPr lang="en-GB" dirty="0"/>
+              <a:t>Education</a:t>
+            </a:r>
+            <a:endParaRPr lang="en-NL" dirty="0"/>
+          </a:p>
+        </p:txBody>
+      </p:sp>
+      <p:sp>
+        <p:nvSpPr>
+          <p:cNvPr id="93" name="TextBox 92">
+            <a:extLst>
+              <a:ext uri="{FF2B5EF4-FFF2-40B4-BE49-F238E27FC236}">
+                <a16:creationId xmlns:a16="http://schemas.microsoft.com/office/drawing/2014/main" id="{EA738D4A-0124-8FF2-D496-E2CF4DA752FE}"/>
+              </a:ext>
+            </a:extLst>
+          </p:cNvPr>
+          <p:cNvSpPr txBox="1"/>
+          <p:nvPr/>
+        </p:nvSpPr>
+        <p:spPr>
+          <a:xfrm>
+            <a:off x="4615292" y="5514362"/>
+            <a:ext cx="805285" cy="369332"/>
+          </a:xfrm>
+          <a:prstGeom prst="rect">
+            <a:avLst/>
+          </a:prstGeom>
+          <a:noFill/>
+        </p:spPr>
+        <p:txBody>
+          <a:bodyPr wrap="none" rtlCol="0">
+            <a:spAutoFit/>
+          </a:bodyPr>
+          <a:lstStyle/>
+          <a:p>
+            <a:r>
+              <a:rPr lang="en-GB" dirty="0"/>
+              <a:t>Salary</a:t>
+            </a:r>
+            <a:endParaRPr lang="en-NL" dirty="0"/>
+          </a:p>
+        </p:txBody>
+      </p:sp>
+      <p:sp>
+        <p:nvSpPr>
+          <p:cNvPr id="94" name="TextBox 93">
+            <a:extLst>
+              <a:ext uri="{FF2B5EF4-FFF2-40B4-BE49-F238E27FC236}">
+                <a16:creationId xmlns:a16="http://schemas.microsoft.com/office/drawing/2014/main" id="{74804C98-0739-D4E7-55A2-8427DE4F8A27}"/>
+              </a:ext>
+            </a:extLst>
+          </p:cNvPr>
+          <p:cNvSpPr txBox="1"/>
+          <p:nvPr/>
+        </p:nvSpPr>
+        <p:spPr>
+          <a:xfrm>
+            <a:off x="5426038" y="4066194"/>
+            <a:ext cx="1337226" cy="369332"/>
+          </a:xfrm>
+          <a:prstGeom prst="rect">
+            <a:avLst/>
+          </a:prstGeom>
+          <a:noFill/>
+        </p:spPr>
+        <p:txBody>
+          <a:bodyPr wrap="none" rtlCol="0">
+            <a:spAutoFit/>
+          </a:bodyPr>
+          <a:lstStyle/>
+          <a:p>
+            <a:r>
+              <a:rPr lang="en-US" dirty="0"/>
+              <a:t>Experience</a:t>
+            </a:r>
+          </a:p>
+        </p:txBody>
+      </p:sp>
+      <p:sp>
+        <p:nvSpPr>
+          <p:cNvPr id="107" name="Oval 106">
+            <a:extLst>
+              <a:ext uri="{FF2B5EF4-FFF2-40B4-BE49-F238E27FC236}">
+                <a16:creationId xmlns:a16="http://schemas.microsoft.com/office/drawing/2014/main" id="{FF893412-70E9-184C-D528-7B055D24EB0C}"/>
+              </a:ext>
+            </a:extLst>
+          </p:cNvPr>
+          <p:cNvSpPr/>
+          <p:nvPr/>
+        </p:nvSpPr>
+        <p:spPr>
+          <a:xfrm>
+            <a:off x="4845939" y="3718321"/>
+            <a:ext cx="468000" cy="468085"/>
+          </a:xfrm>
+          <a:prstGeom prst="ellipse">
+            <a:avLst/>
+          </a:prstGeom>
+          <a:solidFill>
+            <a:schemeClr val="bg1"/>
+          </a:solidFill>
+        </p:spPr>
+        <p:style>
+          <a:lnRef idx="2">
+            <a:schemeClr val="accent1">
+              <a:shade val="15000"/>
+            </a:schemeClr>
+          </a:lnRef>
+          <a:fillRef idx="1">
+            <a:schemeClr val="accent1"/>
+          </a:fillRef>
+          <a:effectRef idx="0">
+            <a:schemeClr val="accent1"/>
+          </a:effectRef>
+          <a:fontRef idx="minor">
+            <a:schemeClr val="lt1"/>
+          </a:fontRef>
+        </p:style>
+        <p:txBody>
+          <a:bodyPr rtlCol="0" anchor="ctr"/>
+          <a:lstStyle/>
+          <a:p>
+            <a:pPr algn="ctr"/>
+            <a:endParaRPr lang="en-NL"/>
+          </a:p>
+        </p:txBody>
+      </p:sp>
+      <p:sp>
+        <p:nvSpPr>
+          <p:cNvPr id="108" name="TextBox 107">
+            <a:extLst>
+              <a:ext uri="{FF2B5EF4-FFF2-40B4-BE49-F238E27FC236}">
+                <a16:creationId xmlns:a16="http://schemas.microsoft.com/office/drawing/2014/main" id="{55465DF5-978F-1677-0600-C1CDFF0A9574}"/>
+              </a:ext>
+            </a:extLst>
+          </p:cNvPr>
+          <p:cNvSpPr txBox="1"/>
+          <p:nvPr/>
+        </p:nvSpPr>
+        <p:spPr>
+          <a:xfrm>
+            <a:off x="4670007" y="3424860"/>
+            <a:ext cx="877420" cy="369332"/>
+          </a:xfrm>
+          <a:prstGeom prst="rect">
+            <a:avLst/>
+          </a:prstGeom>
+          <a:noFill/>
+        </p:spPr>
+        <p:txBody>
+          <a:bodyPr wrap="none" rtlCol="0">
+            <a:spAutoFit/>
+          </a:bodyPr>
+          <a:lstStyle/>
+          <a:p>
+            <a:r>
+              <a:rPr lang="en-GB" dirty="0"/>
+              <a:t>Python</a:t>
+            </a:r>
+            <a:endParaRPr lang="en-NL" dirty="0"/>
+          </a:p>
+        </p:txBody>
+      </p:sp>
+      <p:cxnSp>
+        <p:nvCxnSpPr>
+          <p:cNvPr id="110" name="Straight Arrow Connector 109">
+            <a:extLst>
+              <a:ext uri="{FF2B5EF4-FFF2-40B4-BE49-F238E27FC236}">
+                <a16:creationId xmlns:a16="http://schemas.microsoft.com/office/drawing/2014/main" id="{2AEDA4A1-DF5A-2505-0C64-2AFDBF2B9866}"/>
+              </a:ext>
+            </a:extLst>
+          </p:cNvPr>
+          <p:cNvCxnSpPr>
+            <a:cxnSpLocks/>
+          </p:cNvCxnSpPr>
+          <p:nvPr/>
+        </p:nvCxnSpPr>
+        <p:spPr>
+          <a:xfrm>
+            <a:off x="5269470" y="4198244"/>
+            <a:ext cx="206770" cy="287396"/>
+          </a:xfrm>
+          <a:prstGeom prst="straightConnector1">
+            <a:avLst/>
+          </a:prstGeom>
+          <a:ln>
+            <a:tailEnd type="triangle"/>
+          </a:ln>
+        </p:spPr>
+        <p:style>
+          <a:lnRef idx="2">
+            <a:schemeClr val="dk1"/>
+          </a:lnRef>
+          <a:fillRef idx="0">
+            <a:schemeClr val="dk1"/>
+          </a:fillRef>
+          <a:effectRef idx="1">
+            <a:schemeClr val="dk1"/>
+          </a:effectRef>
+          <a:fontRef idx="minor">
+            <a:schemeClr val="tx1"/>
+          </a:fontRef>
+        </p:style>
+      </p:cxnSp>
+      <p:sp>
+        <p:nvSpPr>
+          <p:cNvPr id="113" name="Rectangle: Rounded Corners 112">
+            <a:extLst>
+              <a:ext uri="{FF2B5EF4-FFF2-40B4-BE49-F238E27FC236}">
+                <a16:creationId xmlns:a16="http://schemas.microsoft.com/office/drawing/2014/main" id="{9DA9DFF3-1BDC-2994-C537-A1E5292D630A}"/>
+              </a:ext>
+            </a:extLst>
+          </p:cNvPr>
+          <p:cNvSpPr/>
+          <p:nvPr/>
+        </p:nvSpPr>
+        <p:spPr>
+          <a:xfrm>
+            <a:off x="9087609" y="3333958"/>
+            <a:ext cx="3324000" cy="2525574"/>
+          </a:xfrm>
+          <a:prstGeom prst="roundRect">
+            <a:avLst>
+              <a:gd name="adj" fmla="val 6482"/>
+            </a:avLst>
+          </a:prstGeom>
+          <a:solidFill>
+            <a:schemeClr val="bg1">
+              <a:lumMod val="95000"/>
+            </a:schemeClr>
+          </a:solidFill>
+        </p:spPr>
+        <p:style>
+          <a:lnRef idx="2">
+            <a:schemeClr val="accent1">
+              <a:shade val="15000"/>
+            </a:schemeClr>
+          </a:lnRef>
+          <a:fillRef idx="1">
+            <a:schemeClr val="accent1"/>
+          </a:fillRef>
+          <a:effectRef idx="0">
+            <a:schemeClr val="accent1"/>
+          </a:effectRef>
+          <a:fontRef idx="minor">
+            <a:schemeClr val="lt1"/>
+          </a:fontRef>
+        </p:style>
+        <p:txBody>
+          <a:bodyPr rtlCol="0" anchor="ctr"/>
+          <a:lstStyle/>
+          <a:p>
+            <a:pPr algn="ctr"/>
+            <a:endParaRPr lang="en-NL"/>
+          </a:p>
+        </p:txBody>
+      </p:sp>
+      <p:sp>
+        <p:nvSpPr>
+          <p:cNvPr id="114" name="Oval 113">
+            <a:extLst>
+              <a:ext uri="{FF2B5EF4-FFF2-40B4-BE49-F238E27FC236}">
+                <a16:creationId xmlns:a16="http://schemas.microsoft.com/office/drawing/2014/main" id="{06BC1DEF-0A2F-FBA5-DB6F-C3BF8DA7F0EE}"/>
+              </a:ext>
+            </a:extLst>
+          </p:cNvPr>
+          <p:cNvSpPr/>
+          <p:nvPr/>
+        </p:nvSpPr>
+        <p:spPr>
+          <a:xfrm>
+            <a:off x="9925922" y="4522633"/>
+            <a:ext cx="468000" cy="468085"/>
+          </a:xfrm>
+          <a:prstGeom prst="ellipse">
+            <a:avLst/>
+          </a:prstGeom>
+          <a:solidFill>
+            <a:schemeClr val="bg1"/>
+          </a:solidFill>
+        </p:spPr>
+        <p:style>
+          <a:lnRef idx="2">
+            <a:schemeClr val="accent1">
+              <a:shade val="15000"/>
+            </a:schemeClr>
+          </a:lnRef>
+          <a:fillRef idx="1">
+            <a:schemeClr val="accent1"/>
+          </a:fillRef>
+          <a:effectRef idx="0">
+            <a:schemeClr val="accent1"/>
+          </a:effectRef>
+          <a:fontRef idx="minor">
+            <a:schemeClr val="lt1"/>
+          </a:fontRef>
+        </p:style>
+        <p:txBody>
+          <a:bodyPr rtlCol="0" anchor="ctr"/>
+          <a:lstStyle/>
+          <a:p>
+            <a:pPr algn="ctr"/>
+            <a:endParaRPr lang="en-NL"/>
+          </a:p>
+        </p:txBody>
+      </p:sp>
+      <p:sp>
+        <p:nvSpPr>
+          <p:cNvPr id="115" name="Oval 114">
+            <a:extLst>
+              <a:ext uri="{FF2B5EF4-FFF2-40B4-BE49-F238E27FC236}">
+                <a16:creationId xmlns:a16="http://schemas.microsoft.com/office/drawing/2014/main" id="{1529BC06-D8CA-743D-46B4-FCE0E6CB1D92}"/>
+              </a:ext>
+            </a:extLst>
+          </p:cNvPr>
+          <p:cNvSpPr/>
+          <p:nvPr/>
+        </p:nvSpPr>
+        <p:spPr>
+          <a:xfrm>
+            <a:off x="11163898" y="4522633"/>
+            <a:ext cx="468000" cy="468085"/>
+          </a:xfrm>
+          <a:prstGeom prst="ellipse">
+            <a:avLst/>
+          </a:prstGeom>
+          <a:solidFill>
+            <a:schemeClr val="bg1"/>
+          </a:solidFill>
+        </p:spPr>
+        <p:style>
+          <a:lnRef idx="2">
+            <a:schemeClr val="accent1">
+              <a:shade val="15000"/>
+            </a:schemeClr>
+          </a:lnRef>
+          <a:fillRef idx="1">
+            <a:schemeClr val="accent1"/>
+          </a:fillRef>
+          <a:effectRef idx="0">
+            <a:schemeClr val="accent1"/>
+          </a:effectRef>
+          <a:fontRef idx="minor">
+            <a:schemeClr val="lt1"/>
+          </a:fontRef>
+        </p:style>
+        <p:txBody>
+          <a:bodyPr rtlCol="0" anchor="ctr"/>
+          <a:lstStyle/>
+          <a:p>
+            <a:pPr algn="ctr"/>
+            <a:endParaRPr lang="en-NL"/>
+          </a:p>
+        </p:txBody>
+      </p:sp>
+      <p:sp>
+        <p:nvSpPr>
+          <p:cNvPr id="116" name="Oval 115">
+            <a:extLst>
+              <a:ext uri="{FF2B5EF4-FFF2-40B4-BE49-F238E27FC236}">
+                <a16:creationId xmlns:a16="http://schemas.microsoft.com/office/drawing/2014/main" id="{D4CEBB1A-ABFD-895E-C167-3F99C061D4B6}"/>
+              </a:ext>
+            </a:extLst>
+          </p:cNvPr>
+          <p:cNvSpPr/>
+          <p:nvPr/>
+        </p:nvSpPr>
+        <p:spPr>
+          <a:xfrm>
+            <a:off x="10520914" y="5122550"/>
+            <a:ext cx="468000" cy="468085"/>
+          </a:xfrm>
+          <a:prstGeom prst="ellipse">
+            <a:avLst/>
+          </a:prstGeom>
+          <a:solidFill>
+            <a:schemeClr val="bg1"/>
+          </a:solidFill>
+        </p:spPr>
+        <p:style>
+          <a:lnRef idx="2">
+            <a:schemeClr val="accent1">
+              <a:shade val="15000"/>
+            </a:schemeClr>
+          </a:lnRef>
+          <a:fillRef idx="1">
+            <a:schemeClr val="accent1"/>
+          </a:fillRef>
+          <a:effectRef idx="0">
+            <a:schemeClr val="accent1"/>
+          </a:effectRef>
+          <a:fontRef idx="minor">
+            <a:schemeClr val="lt1"/>
+          </a:fontRef>
+        </p:style>
+        <p:txBody>
+          <a:bodyPr rtlCol="0" anchor="ctr"/>
+          <a:lstStyle/>
+          <a:p>
+            <a:pPr algn="ctr"/>
+            <a:endParaRPr lang="en-NL"/>
+          </a:p>
+        </p:txBody>
+      </p:sp>
+      <p:cxnSp>
+        <p:nvCxnSpPr>
+          <p:cNvPr id="117" name="Straight Arrow Connector 116">
+            <a:extLst>
+              <a:ext uri="{FF2B5EF4-FFF2-40B4-BE49-F238E27FC236}">
+                <a16:creationId xmlns:a16="http://schemas.microsoft.com/office/drawing/2014/main" id="{D59E343B-66D7-E23F-92F3-684769E270A4}"/>
+              </a:ext>
+            </a:extLst>
+          </p:cNvPr>
+          <p:cNvCxnSpPr>
+            <a:cxnSpLocks/>
+          </p:cNvCxnSpPr>
+          <p:nvPr/>
+        </p:nvCxnSpPr>
+        <p:spPr>
+          <a:xfrm>
+            <a:off x="10389209" y="4936869"/>
+            <a:ext cx="193709" cy="235645"/>
+          </a:xfrm>
+          <a:prstGeom prst="straightConnector1">
+            <a:avLst/>
+          </a:prstGeom>
+          <a:ln>
+            <a:tailEnd type="triangle"/>
+          </a:ln>
+        </p:spPr>
+        <p:style>
+          <a:lnRef idx="2">
+            <a:schemeClr val="dk1"/>
+          </a:lnRef>
+          <a:fillRef idx="0">
+            <a:schemeClr val="dk1"/>
+          </a:fillRef>
+          <a:effectRef idx="1">
+            <a:schemeClr val="dk1"/>
+          </a:effectRef>
+          <a:fontRef idx="minor">
+            <a:schemeClr val="tx1"/>
+          </a:fontRef>
+        </p:style>
+      </p:cxnSp>
+      <p:cxnSp>
+        <p:nvCxnSpPr>
+          <p:cNvPr id="118" name="Straight Arrow Connector 117">
+            <a:extLst>
+              <a:ext uri="{FF2B5EF4-FFF2-40B4-BE49-F238E27FC236}">
+                <a16:creationId xmlns:a16="http://schemas.microsoft.com/office/drawing/2014/main" id="{55C6408D-E7B3-8D0E-38F0-570B2F963E1F}"/>
+              </a:ext>
+            </a:extLst>
+          </p:cNvPr>
+          <p:cNvCxnSpPr>
+            <a:cxnSpLocks/>
+          </p:cNvCxnSpPr>
+          <p:nvPr/>
+        </p:nvCxnSpPr>
+        <p:spPr>
+          <a:xfrm flipH="1">
+            <a:off x="10969180" y="4935488"/>
+            <a:ext cx="218386" cy="254460"/>
+          </a:xfrm>
+          <a:prstGeom prst="straightConnector1">
+            <a:avLst/>
+          </a:prstGeom>
+          <a:ln>
+            <a:tailEnd type="triangle"/>
+          </a:ln>
+        </p:spPr>
+        <p:style>
+          <a:lnRef idx="2">
+            <a:schemeClr val="dk1"/>
+          </a:lnRef>
+          <a:fillRef idx="0">
+            <a:schemeClr val="dk1"/>
+          </a:fillRef>
+          <a:effectRef idx="1">
+            <a:schemeClr val="dk1"/>
+          </a:effectRef>
+          <a:fontRef idx="minor">
+            <a:schemeClr val="tx1"/>
+          </a:fontRef>
+        </p:style>
+      </p:cxnSp>
+      <p:sp>
+        <p:nvSpPr>
+          <p:cNvPr id="119" name="TextBox 118">
+            <a:extLst>
+              <a:ext uri="{FF2B5EF4-FFF2-40B4-BE49-F238E27FC236}">
+                <a16:creationId xmlns:a16="http://schemas.microsoft.com/office/drawing/2014/main" id="{72213CA8-1728-06F8-3C21-32D2FCB2A6CD}"/>
+              </a:ext>
+            </a:extLst>
+          </p:cNvPr>
+          <p:cNvSpPr txBox="1"/>
+          <p:nvPr/>
+        </p:nvSpPr>
+        <p:spPr>
+          <a:xfrm>
+            <a:off x="9290095" y="4021251"/>
+            <a:ext cx="1195968" cy="369332"/>
+          </a:xfrm>
+          <a:prstGeom prst="rect">
+            <a:avLst/>
+          </a:prstGeom>
+          <a:noFill/>
+        </p:spPr>
+        <p:txBody>
+          <a:bodyPr wrap="none" rtlCol="0">
+            <a:spAutoFit/>
+          </a:bodyPr>
+          <a:lstStyle/>
+          <a:p>
+            <a:r>
+              <a:rPr lang="en-GB" dirty="0"/>
+              <a:t>Education</a:t>
+            </a:r>
+            <a:endParaRPr lang="en-NL" dirty="0"/>
+          </a:p>
+        </p:txBody>
+      </p:sp>
+      <p:sp>
+        <p:nvSpPr>
+          <p:cNvPr id="120" name="TextBox 119">
+            <a:extLst>
+              <a:ext uri="{FF2B5EF4-FFF2-40B4-BE49-F238E27FC236}">
+                <a16:creationId xmlns:a16="http://schemas.microsoft.com/office/drawing/2014/main" id="{13B98952-282A-C4C4-349A-A181C55B56D1}"/>
+              </a:ext>
+            </a:extLst>
+          </p:cNvPr>
+          <p:cNvSpPr txBox="1"/>
+          <p:nvPr/>
+        </p:nvSpPr>
+        <p:spPr>
+          <a:xfrm>
+            <a:off x="10352271" y="5542287"/>
+            <a:ext cx="805285" cy="369332"/>
+          </a:xfrm>
+          <a:prstGeom prst="rect">
+            <a:avLst/>
+          </a:prstGeom>
+          <a:noFill/>
+        </p:spPr>
+        <p:txBody>
+          <a:bodyPr wrap="none" rtlCol="0">
+            <a:spAutoFit/>
+          </a:bodyPr>
+          <a:lstStyle/>
+          <a:p>
+            <a:r>
+              <a:rPr lang="en-GB" dirty="0"/>
+              <a:t>Salary</a:t>
+            </a:r>
+            <a:endParaRPr lang="en-NL" dirty="0"/>
+          </a:p>
+        </p:txBody>
+      </p:sp>
+      <p:sp>
+        <p:nvSpPr>
+          <p:cNvPr id="121" name="TextBox 120">
+            <a:extLst>
+              <a:ext uri="{FF2B5EF4-FFF2-40B4-BE49-F238E27FC236}">
+                <a16:creationId xmlns:a16="http://schemas.microsoft.com/office/drawing/2014/main" id="{088B73DE-B600-909B-1E43-24BFD80DACAF}"/>
+              </a:ext>
+            </a:extLst>
+          </p:cNvPr>
+          <p:cNvSpPr txBox="1"/>
+          <p:nvPr/>
+        </p:nvSpPr>
+        <p:spPr>
+          <a:xfrm>
+            <a:off x="11163017" y="4094119"/>
+            <a:ext cx="1337226" cy="369332"/>
+          </a:xfrm>
+          <a:prstGeom prst="rect">
+            <a:avLst/>
+          </a:prstGeom>
+          <a:noFill/>
+        </p:spPr>
+        <p:txBody>
+          <a:bodyPr wrap="none" rtlCol="0">
+            <a:spAutoFit/>
+          </a:bodyPr>
+          <a:lstStyle/>
+          <a:p>
+            <a:r>
+              <a:rPr lang="en-US" dirty="0"/>
+              <a:t>Experience</a:t>
+            </a:r>
+          </a:p>
+        </p:txBody>
+      </p:sp>
+      <p:sp>
+        <p:nvSpPr>
+          <p:cNvPr id="122" name="Oval 121">
+            <a:extLst>
+              <a:ext uri="{FF2B5EF4-FFF2-40B4-BE49-F238E27FC236}">
+                <a16:creationId xmlns:a16="http://schemas.microsoft.com/office/drawing/2014/main" id="{641F2B86-6BD0-9981-B6D8-B7F80DAC1C28}"/>
+              </a:ext>
+            </a:extLst>
+          </p:cNvPr>
+          <p:cNvSpPr/>
+          <p:nvPr/>
+        </p:nvSpPr>
+        <p:spPr>
+          <a:xfrm>
+            <a:off x="10582918" y="3746246"/>
+            <a:ext cx="468000" cy="468085"/>
+          </a:xfrm>
+          <a:prstGeom prst="ellipse">
+            <a:avLst/>
+          </a:prstGeom>
+          <a:solidFill>
+            <a:schemeClr val="bg1"/>
+          </a:solidFill>
+        </p:spPr>
+        <p:style>
+          <a:lnRef idx="2">
+            <a:schemeClr val="accent1">
+              <a:shade val="15000"/>
+            </a:schemeClr>
+          </a:lnRef>
+          <a:fillRef idx="1">
+            <a:schemeClr val="accent1"/>
+          </a:fillRef>
+          <a:effectRef idx="0">
+            <a:schemeClr val="accent1"/>
+          </a:effectRef>
+          <a:fontRef idx="minor">
+            <a:schemeClr val="lt1"/>
+          </a:fontRef>
+        </p:style>
+        <p:txBody>
+          <a:bodyPr rtlCol="0" anchor="ctr"/>
+          <a:lstStyle/>
+          <a:p>
+            <a:pPr algn="ctr"/>
+            <a:endParaRPr lang="en-NL"/>
+          </a:p>
+        </p:txBody>
+      </p:sp>
+      <p:sp>
+        <p:nvSpPr>
+          <p:cNvPr id="123" name="TextBox 122">
+            <a:extLst>
+              <a:ext uri="{FF2B5EF4-FFF2-40B4-BE49-F238E27FC236}">
+                <a16:creationId xmlns:a16="http://schemas.microsoft.com/office/drawing/2014/main" id="{2685A779-0C0D-56D7-C191-BEBAFF74DE7A}"/>
+              </a:ext>
+            </a:extLst>
+          </p:cNvPr>
+          <p:cNvSpPr txBox="1"/>
+          <p:nvPr/>
+        </p:nvSpPr>
+        <p:spPr>
+          <a:xfrm>
+            <a:off x="10355167" y="3308042"/>
+            <a:ext cx="877420" cy="369332"/>
+          </a:xfrm>
+          <a:prstGeom prst="rect">
+            <a:avLst/>
+          </a:prstGeom>
+          <a:noFill/>
+        </p:spPr>
+        <p:txBody>
+          <a:bodyPr wrap="none" rtlCol="0">
+            <a:spAutoFit/>
+          </a:bodyPr>
+          <a:lstStyle/>
+          <a:p>
+            <a:r>
+              <a:rPr lang="en-GB" dirty="0"/>
+              <a:t>Python</a:t>
+            </a:r>
+            <a:endParaRPr lang="en-NL" dirty="0"/>
+          </a:p>
+        </p:txBody>
+      </p:sp>
+      <p:cxnSp>
+        <p:nvCxnSpPr>
+          <p:cNvPr id="124" name="Straight Arrow Connector 123">
+            <a:extLst>
+              <a:ext uri="{FF2B5EF4-FFF2-40B4-BE49-F238E27FC236}">
+                <a16:creationId xmlns:a16="http://schemas.microsoft.com/office/drawing/2014/main" id="{4F0AF9C4-0D5B-E77E-1A54-A61AC9E893B7}"/>
+              </a:ext>
+            </a:extLst>
+          </p:cNvPr>
+          <p:cNvCxnSpPr>
+            <a:cxnSpLocks/>
+          </p:cNvCxnSpPr>
+          <p:nvPr/>
+        </p:nvCxnSpPr>
+        <p:spPr>
+          <a:xfrm>
+            <a:off x="11006449" y="4226169"/>
+            <a:ext cx="206770" cy="287396"/>
+          </a:xfrm>
+          <a:prstGeom prst="straightConnector1">
+            <a:avLst/>
+          </a:prstGeom>
+          <a:ln>
+            <a:tailEnd type="triangle"/>
+          </a:ln>
+        </p:spPr>
+        <p:style>
+          <a:lnRef idx="2">
+            <a:schemeClr val="dk1"/>
+          </a:lnRef>
+          <a:fillRef idx="0">
+            <a:schemeClr val="dk1"/>
+          </a:fillRef>
+          <a:effectRef idx="1">
+            <a:schemeClr val="dk1"/>
+          </a:effectRef>
+          <a:fontRef idx="minor">
+            <a:schemeClr val="tx1"/>
+          </a:fontRef>
+        </p:style>
+      </p:cxnSp>
+      <p:cxnSp>
+        <p:nvCxnSpPr>
+          <p:cNvPr id="125" name="Straight Arrow Connector 124">
+            <a:extLst>
+              <a:ext uri="{FF2B5EF4-FFF2-40B4-BE49-F238E27FC236}">
+                <a16:creationId xmlns:a16="http://schemas.microsoft.com/office/drawing/2014/main" id="{6B77ADA1-8ED2-E2C6-A89D-73DFE6B3876A}"/>
+              </a:ext>
+            </a:extLst>
+          </p:cNvPr>
+          <p:cNvCxnSpPr>
+            <a:cxnSpLocks/>
+          </p:cNvCxnSpPr>
+          <p:nvPr/>
+        </p:nvCxnSpPr>
+        <p:spPr>
+          <a:xfrm flipH="1">
+            <a:off x="10353181" y="4221613"/>
+            <a:ext cx="218386" cy="254460"/>
+          </a:xfrm>
+          <a:prstGeom prst="straightConnector1">
+            <a:avLst/>
+          </a:prstGeom>
+          <a:ln>
+            <a:tailEnd type="triangle"/>
+          </a:ln>
+        </p:spPr>
+        <p:style>
+          <a:lnRef idx="2">
+            <a:schemeClr val="dk1"/>
+          </a:lnRef>
+          <a:fillRef idx="0">
+            <a:schemeClr val="dk1"/>
+          </a:fillRef>
+          <a:effectRef idx="1">
+            <a:schemeClr val="dk1"/>
+          </a:effectRef>
+          <a:fontRef idx="minor">
+            <a:schemeClr val="tx1"/>
+          </a:fontRef>
+        </p:style>
+      </p:cxnSp>
+    </p:spTree>
+    <p:extLst>
+      <p:ext uri="{BB962C8B-B14F-4D97-AF65-F5344CB8AC3E}">
+        <p14:creationId xmlns:p14="http://schemas.microsoft.com/office/powerpoint/2010/main" val="748611837"/>
+      </p:ext>
+    </p:extLst>
+  </p:cSld>
+  <p:clrMapOvr>
+    <a:masterClrMapping/>
+  </p:clrMapOvr>
+</p:sld>
+</file>
+
+<file path=ppt/slides/slide7.xml><?xml version="1.0" encoding="utf-8"?>
 <p:sld xmlns:a="http://schemas.openxmlformats.org/drawingml/2006/main" xmlns:r="http://schemas.openxmlformats.org/officeDocument/2006/relationships" xmlns:p="http://schemas.openxmlformats.org/presentationml/2006/main">
   <p:cSld>
     <p:spTree>
@@ -15464,7 +19789,7 @@
 </p:sld>
 </file>
 
-<file path=ppt/slides/slide6.xml><?xml version="1.0" encoding="utf-8"?>
+<file path=ppt/slides/slide8.xml><?xml version="1.0" encoding="utf-8"?>
 <p:sld xmlns:a="http://schemas.openxmlformats.org/drawingml/2006/main" xmlns:r="http://schemas.openxmlformats.org/officeDocument/2006/relationships" xmlns:p="http://schemas.openxmlformats.org/presentationml/2006/main">
   <p:cSld>
     <p:spTree>
@@ -21324,7 +25649,7 @@
 </p:sld>
 </file>
 
-<file path=ppt/slides/slide7.xml><?xml version="1.0" encoding="utf-8"?>
+<file path=ppt/slides/slide9.xml><?xml version="1.0" encoding="utf-8"?>
 <p:sld xmlns:a="http://schemas.openxmlformats.org/drawingml/2006/main" xmlns:r="http://schemas.openxmlformats.org/officeDocument/2006/relationships" xmlns:p="http://schemas.openxmlformats.org/presentationml/2006/main">
   <p:cSld>
     <p:spTree>

--- a/docs/figs/Landscape_Causal_Discovery_Bnlearn_for_python.pptx
+++ b/docs/figs/Landscape_Causal_Discovery_Bnlearn_for_python.pptx
@@ -14,6 +14,8 @@
     <p:sldId id="261" r:id="rId8"/>
     <p:sldId id="262" r:id="rId9"/>
     <p:sldId id="256" r:id="rId10"/>
+    <p:sldId id="266" r:id="rId11"/>
+    <p:sldId id="269" r:id="rId12"/>
   </p:sldIdLst>
   <p:sldSz cx="18288000" cy="10972800"/>
   <p:notesSz cx="6858000" cy="9144000"/>
@@ -259,7 +261,7 @@
           <a:p>
             <a:fld id="{38773C79-E55F-43DB-B2E4-E2C2AD643910}" type="datetimeFigureOut">
               <a:rPr lang="nl-NL" smtClean="0"/>
-              <a:t>17-10-2025</a:t>
+              <a:t>31-10-2025</a:t>
             </a:fld>
             <a:endParaRPr lang="nl-NL"/>
           </a:p>
@@ -429,7 +431,7 @@
           <a:p>
             <a:fld id="{38773C79-E55F-43DB-B2E4-E2C2AD643910}" type="datetimeFigureOut">
               <a:rPr lang="nl-NL" smtClean="0"/>
-              <a:t>17-10-2025</a:t>
+              <a:t>31-10-2025</a:t>
             </a:fld>
             <a:endParaRPr lang="nl-NL"/>
           </a:p>
@@ -609,7 +611,7 @@
           <a:p>
             <a:fld id="{38773C79-E55F-43DB-B2E4-E2C2AD643910}" type="datetimeFigureOut">
               <a:rPr lang="nl-NL" smtClean="0"/>
-              <a:t>17-10-2025</a:t>
+              <a:t>31-10-2025</a:t>
             </a:fld>
             <a:endParaRPr lang="nl-NL"/>
           </a:p>
@@ -779,7 +781,7 @@
           <a:p>
             <a:fld id="{38773C79-E55F-43DB-B2E4-E2C2AD643910}" type="datetimeFigureOut">
               <a:rPr lang="nl-NL" smtClean="0"/>
-              <a:t>17-10-2025</a:t>
+              <a:t>31-10-2025</a:t>
             </a:fld>
             <a:endParaRPr lang="nl-NL"/>
           </a:p>
@@ -1025,7 +1027,7 @@
           <a:p>
             <a:fld id="{38773C79-E55F-43DB-B2E4-E2C2AD643910}" type="datetimeFigureOut">
               <a:rPr lang="nl-NL" smtClean="0"/>
-              <a:t>17-10-2025</a:t>
+              <a:t>31-10-2025</a:t>
             </a:fld>
             <a:endParaRPr lang="nl-NL"/>
           </a:p>
@@ -1257,7 +1259,7 @@
           <a:p>
             <a:fld id="{38773C79-E55F-43DB-B2E4-E2C2AD643910}" type="datetimeFigureOut">
               <a:rPr lang="nl-NL" smtClean="0"/>
-              <a:t>17-10-2025</a:t>
+              <a:t>31-10-2025</a:t>
             </a:fld>
             <a:endParaRPr lang="nl-NL"/>
           </a:p>
@@ -1624,7 +1626,7 @@
           <a:p>
             <a:fld id="{38773C79-E55F-43DB-B2E4-E2C2AD643910}" type="datetimeFigureOut">
               <a:rPr lang="nl-NL" smtClean="0"/>
-              <a:t>17-10-2025</a:t>
+              <a:t>31-10-2025</a:t>
             </a:fld>
             <a:endParaRPr lang="nl-NL"/>
           </a:p>
@@ -1742,7 +1744,7 @@
           <a:p>
             <a:fld id="{38773C79-E55F-43DB-B2E4-E2C2AD643910}" type="datetimeFigureOut">
               <a:rPr lang="nl-NL" smtClean="0"/>
-              <a:t>17-10-2025</a:t>
+              <a:t>31-10-2025</a:t>
             </a:fld>
             <a:endParaRPr lang="nl-NL"/>
           </a:p>
@@ -1837,7 +1839,7 @@
           <a:p>
             <a:fld id="{38773C79-E55F-43DB-B2E4-E2C2AD643910}" type="datetimeFigureOut">
               <a:rPr lang="nl-NL" smtClean="0"/>
-              <a:t>17-10-2025</a:t>
+              <a:t>31-10-2025</a:t>
             </a:fld>
             <a:endParaRPr lang="nl-NL"/>
           </a:p>
@@ -2114,7 +2116,7 @@
           <a:p>
             <a:fld id="{38773C79-E55F-43DB-B2E4-E2C2AD643910}" type="datetimeFigureOut">
               <a:rPr lang="nl-NL" smtClean="0"/>
-              <a:t>17-10-2025</a:t>
+              <a:t>31-10-2025</a:t>
             </a:fld>
             <a:endParaRPr lang="nl-NL"/>
           </a:p>
@@ -2371,7 +2373,7 @@
           <a:p>
             <a:fld id="{38773C79-E55F-43DB-B2E4-E2C2AD643910}" type="datetimeFigureOut">
               <a:rPr lang="nl-NL" smtClean="0"/>
-              <a:t>17-10-2025</a:t>
+              <a:t>31-10-2025</a:t>
             </a:fld>
             <a:endParaRPr lang="nl-NL"/>
           </a:p>
@@ -2584,7 +2586,7 @@
           <a:p>
             <a:fld id="{38773C79-E55F-43DB-B2E4-E2C2AD643910}" type="datetimeFigureOut">
               <a:rPr lang="nl-NL" smtClean="0"/>
-              <a:t>17-10-2025</a:t>
+              <a:t>31-10-2025</a:t>
             </a:fld>
             <a:endParaRPr lang="nl-NL"/>
           </a:p>
@@ -9977,6 +9979,200 @@
 </p:sld>
 </file>
 
+<file path=ppt/slides/slide10.xml><?xml version="1.0" encoding="utf-8"?>
+<p:sld xmlns:a="http://schemas.openxmlformats.org/drawingml/2006/main" xmlns:r="http://schemas.openxmlformats.org/officeDocument/2006/relationships" xmlns:p="http://schemas.openxmlformats.org/presentationml/2006/main">
+  <p:cSld>
+    <p:bg>
+      <p:bgPr>
+        <a:solidFill>
+          <a:schemeClr val="bg1"/>
+        </a:solidFill>
+        <a:effectLst/>
+      </p:bgPr>
+    </p:bg>
+    <p:spTree>
+      <p:nvGrpSpPr>
+        <p:cNvPr id="1" name=""/>
+        <p:cNvGrpSpPr/>
+        <p:nvPr/>
+      </p:nvGrpSpPr>
+      <p:grpSpPr>
+        <a:xfrm>
+          <a:off x="0" y="0"/>
+          <a:ext cx="0" cy="0"/>
+          <a:chOff x="0" y="0"/>
+          <a:chExt cx="0" cy="0"/>
+        </a:xfrm>
+      </p:grpSpPr>
+      <p:pic>
+        <p:nvPicPr>
+          <p:cNvPr id="15" name="Picture 14">
+            <a:extLst>
+              <a:ext uri="{FF2B5EF4-FFF2-40B4-BE49-F238E27FC236}">
+                <a16:creationId xmlns:a16="http://schemas.microsoft.com/office/drawing/2014/main" id="{E13F7A3A-9FA6-8396-19A3-1320E416165F}"/>
+              </a:ext>
+            </a:extLst>
+          </p:cNvPr>
+          <p:cNvPicPr>
+            <a:picLocks noChangeAspect="1"/>
+          </p:cNvPicPr>
+          <p:nvPr/>
+        </p:nvPicPr>
+        <p:blipFill>
+          <a:blip r:embed="rId2"/>
+          <a:stretch>
+            <a:fillRect/>
+          </a:stretch>
+        </p:blipFill>
+        <p:spPr>
+          <a:xfrm>
+            <a:off x="4292350" y="539546"/>
+            <a:ext cx="9703299" cy="7912507"/>
+          </a:xfrm>
+          <a:prstGeom prst="rect">
+            <a:avLst/>
+          </a:prstGeom>
+        </p:spPr>
+      </p:pic>
+      <p:pic>
+        <p:nvPicPr>
+          <p:cNvPr id="19" name="Picture 18">
+            <a:extLst>
+              <a:ext uri="{FF2B5EF4-FFF2-40B4-BE49-F238E27FC236}">
+                <a16:creationId xmlns:a16="http://schemas.microsoft.com/office/drawing/2014/main" id="{05E368ED-17C7-DF4B-BC8A-D5A96516332D}"/>
+              </a:ext>
+            </a:extLst>
+          </p:cNvPr>
+          <p:cNvPicPr>
+            <a:picLocks noChangeAspect="1"/>
+          </p:cNvPicPr>
+          <p:nvPr/>
+        </p:nvPicPr>
+        <p:blipFill>
+          <a:blip r:embed="rId3"/>
+          <a:stretch>
+            <a:fillRect/>
+          </a:stretch>
+        </p:blipFill>
+        <p:spPr>
+          <a:xfrm>
+            <a:off x="4273296" y="8388553"/>
+            <a:ext cx="9760452" cy="1104957"/>
+          </a:xfrm>
+          <a:prstGeom prst="rect">
+            <a:avLst/>
+          </a:prstGeom>
+        </p:spPr>
+      </p:pic>
+    </p:spTree>
+    <p:extLst>
+      <p:ext uri="{BB962C8B-B14F-4D97-AF65-F5344CB8AC3E}">
+        <p14:creationId xmlns:p14="http://schemas.microsoft.com/office/powerpoint/2010/main" val="393771545"/>
+      </p:ext>
+    </p:extLst>
+  </p:cSld>
+  <p:clrMapOvr>
+    <a:masterClrMapping/>
+  </p:clrMapOvr>
+</p:sld>
+</file>
+
+<file path=ppt/slides/slide11.xml><?xml version="1.0" encoding="utf-8"?>
+<p:sld xmlns:a="http://schemas.openxmlformats.org/drawingml/2006/main" xmlns:r="http://schemas.openxmlformats.org/officeDocument/2006/relationships" xmlns:p="http://schemas.openxmlformats.org/presentationml/2006/main">
+  <p:cSld>
+    <p:spTree>
+      <p:nvGrpSpPr>
+        <p:cNvPr id="1" name="">
+          <a:extLst>
+            <a:ext uri="{FF2B5EF4-FFF2-40B4-BE49-F238E27FC236}">
+              <a16:creationId xmlns:a16="http://schemas.microsoft.com/office/drawing/2014/main" id="{B98FD271-8F9A-892C-B24D-F385F5290319}"/>
+            </a:ext>
+          </a:extLst>
+        </p:cNvPr>
+        <p:cNvGrpSpPr/>
+        <p:nvPr/>
+      </p:nvGrpSpPr>
+      <p:grpSpPr>
+        <a:xfrm>
+          <a:off x="0" y="0"/>
+          <a:ext cx="0" cy="0"/>
+          <a:chOff x="0" y="0"/>
+          <a:chExt cx="0" cy="0"/>
+        </a:xfrm>
+      </p:grpSpPr>
+      <p:pic>
+        <p:nvPicPr>
+          <p:cNvPr id="7" name="Picture 6">
+            <a:extLst>
+              <a:ext uri="{FF2B5EF4-FFF2-40B4-BE49-F238E27FC236}">
+                <a16:creationId xmlns:a16="http://schemas.microsoft.com/office/drawing/2014/main" id="{B0F07E75-2857-96B7-1AC1-FC2CB49CB5BE}"/>
+              </a:ext>
+            </a:extLst>
+          </p:cNvPr>
+          <p:cNvPicPr>
+            <a:picLocks noChangeAspect="1"/>
+          </p:cNvPicPr>
+          <p:nvPr/>
+        </p:nvPicPr>
+        <p:blipFill>
+          <a:blip r:embed="rId2"/>
+          <a:stretch>
+            <a:fillRect/>
+          </a:stretch>
+        </p:blipFill>
+        <p:spPr>
+          <a:xfrm>
+            <a:off x="4282825" y="293010"/>
+            <a:ext cx="9722350" cy="7664844"/>
+          </a:xfrm>
+          <a:prstGeom prst="rect">
+            <a:avLst/>
+          </a:prstGeom>
+        </p:spPr>
+      </p:pic>
+      <p:pic>
+        <p:nvPicPr>
+          <p:cNvPr id="9" name="Picture 8">
+            <a:extLst>
+              <a:ext uri="{FF2B5EF4-FFF2-40B4-BE49-F238E27FC236}">
+                <a16:creationId xmlns:a16="http://schemas.microsoft.com/office/drawing/2014/main" id="{FF2E9506-9A32-3AAF-4464-FCC8342A9599}"/>
+              </a:ext>
+            </a:extLst>
+          </p:cNvPr>
+          <p:cNvPicPr>
+            <a:picLocks noChangeAspect="1"/>
+          </p:cNvPicPr>
+          <p:nvPr/>
+        </p:nvPicPr>
+        <p:blipFill>
+          <a:blip r:embed="rId3"/>
+          <a:stretch>
+            <a:fillRect/>
+          </a:stretch>
+        </p:blipFill>
+        <p:spPr>
+          <a:xfrm>
+            <a:off x="4310294" y="7936588"/>
+            <a:ext cx="9684248" cy="3854648"/>
+          </a:xfrm>
+          <a:prstGeom prst="rect">
+            <a:avLst/>
+          </a:prstGeom>
+        </p:spPr>
+      </p:pic>
+    </p:spTree>
+    <p:extLst>
+      <p:ext uri="{BB962C8B-B14F-4D97-AF65-F5344CB8AC3E}">
+        <p14:creationId xmlns:p14="http://schemas.microsoft.com/office/powerpoint/2010/main" val="1262549233"/>
+      </p:ext>
+    </p:extLst>
+  </p:cSld>
+  <p:clrMapOvr>
+    <a:masterClrMapping/>
+  </p:clrMapOvr>
+</p:sld>
+</file>
+
 <file path=ppt/slides/slide2.xml><?xml version="1.0" encoding="utf-8"?>
 <p:sld xmlns:a="http://schemas.openxmlformats.org/drawingml/2006/main" xmlns:r="http://schemas.openxmlformats.org/officeDocument/2006/relationships" xmlns:p="http://schemas.openxmlformats.org/presentationml/2006/main">
   <p:cSld>
@@ -14131,7 +14327,7 @@
         <p:spPr>
           <a:xfrm>
             <a:off x="10795324" y="2027817"/>
-            <a:ext cx="218012" cy="997893"/>
+            <a:ext cx="0" cy="1219965"/>
           </a:xfrm>
           <a:prstGeom prst="straightConnector1">
             <a:avLst/>
@@ -15998,6 +16194,114 @@
               </a:rPr>
               <a:t>Create CPTs and setup Directed Acyclic Graph</a:t>
             </a:r>
+          </a:p>
+        </p:txBody>
+      </p:sp>
+      <p:sp>
+        <p:nvSpPr>
+          <p:cNvPr id="5" name="TextBox 4">
+            <a:extLst>
+              <a:ext uri="{FF2B5EF4-FFF2-40B4-BE49-F238E27FC236}">
+                <a16:creationId xmlns:a16="http://schemas.microsoft.com/office/drawing/2014/main" id="{43EE60ED-819A-76F3-6ED8-201E1C05A8AC}"/>
+              </a:ext>
+            </a:extLst>
+          </p:cNvPr>
+          <p:cNvSpPr txBox="1"/>
+          <p:nvPr/>
+        </p:nvSpPr>
+        <p:spPr>
+          <a:xfrm rot="20813293">
+            <a:off x="8488169" y="1208513"/>
+            <a:ext cx="810286" cy="369332"/>
+          </a:xfrm>
+          <a:prstGeom prst="rect">
+            <a:avLst/>
+          </a:prstGeom>
+          <a:noFill/>
+        </p:spPr>
+        <p:txBody>
+          <a:bodyPr wrap="none" rtlCol="0">
+            <a:spAutoFit/>
+          </a:bodyPr>
+          <a:lstStyle/>
+          <a:p>
+            <a:r>
+              <a:rPr lang="en-US" dirty="0"/>
+              <a:t>Step 1</a:t>
+            </a:r>
+            <a:endParaRPr lang="en-NL" dirty="0"/>
+          </a:p>
+        </p:txBody>
+      </p:sp>
+      <p:sp>
+        <p:nvSpPr>
+          <p:cNvPr id="6" name="TextBox 5">
+            <a:extLst>
+              <a:ext uri="{FF2B5EF4-FFF2-40B4-BE49-F238E27FC236}">
+                <a16:creationId xmlns:a16="http://schemas.microsoft.com/office/drawing/2014/main" id="{68DC7C6A-AAA6-6BAC-31BB-E299668EDD12}"/>
+              </a:ext>
+            </a:extLst>
+          </p:cNvPr>
+          <p:cNvSpPr txBox="1"/>
+          <p:nvPr/>
+        </p:nvSpPr>
+        <p:spPr>
+          <a:xfrm rot="19025948">
+            <a:off x="8547051" y="2343259"/>
+            <a:ext cx="810286" cy="369332"/>
+          </a:xfrm>
+          <a:prstGeom prst="rect">
+            <a:avLst/>
+          </a:prstGeom>
+          <a:noFill/>
+        </p:spPr>
+        <p:txBody>
+          <a:bodyPr wrap="none" rtlCol="0">
+            <a:spAutoFit/>
+          </a:bodyPr>
+          <a:lstStyle/>
+          <a:p>
+            <a:r>
+              <a:rPr lang="en-US" dirty="0"/>
+              <a:t>Step 2</a:t>
+            </a:r>
+            <a:endParaRPr lang="en-NL" dirty="0"/>
+          </a:p>
+        </p:txBody>
+      </p:sp>
+      <p:sp>
+        <p:nvSpPr>
+          <p:cNvPr id="8" name="TextBox 7">
+            <a:extLst>
+              <a:ext uri="{FF2B5EF4-FFF2-40B4-BE49-F238E27FC236}">
+                <a16:creationId xmlns:a16="http://schemas.microsoft.com/office/drawing/2014/main" id="{7F0F26A3-33CD-FA40-50B6-6D2417AAF108}"/>
+              </a:ext>
+            </a:extLst>
+          </p:cNvPr>
+          <p:cNvSpPr txBox="1"/>
+          <p:nvPr/>
+        </p:nvSpPr>
+        <p:spPr>
+          <a:xfrm rot="16200000">
+            <a:off x="10145403" y="2505963"/>
+            <a:ext cx="810286" cy="369332"/>
+          </a:xfrm>
+          <a:prstGeom prst="rect">
+            <a:avLst/>
+          </a:prstGeom>
+          <a:noFill/>
+        </p:spPr>
+        <p:txBody>
+          <a:bodyPr wrap="none" rtlCol="0">
+            <a:spAutoFit/>
+          </a:bodyPr>
+          <a:lstStyle/>
+          <a:p>
+            <a:r>
+              <a:rPr lang="en-US" dirty="0"/>
+              <a:t>Step 3</a:t>
+            </a:r>
+            <a:endParaRPr lang="en-NL" dirty="0"/>
           </a:p>
         </p:txBody>
       </p:sp>
